--- a/EmergingTechnologies(updated).pptx
+++ b/EmergingTechnologies(updated).pptx
@@ -5,7 +5,7 @@
     <p:sldMasterId id="2147484159" r:id="rId1"/>
   </p:sldMasterIdLst>
   <p:notesMasterIdLst>
-    <p:notesMasterId r:id="rId13"/>
+    <p:notesMasterId r:id="rId14"/>
   </p:notesMasterIdLst>
   <p:sldIdLst>
     <p:sldId id="258" r:id="rId2"/>
@@ -18,7 +18,8 @@
     <p:sldId id="265" r:id="rId9"/>
     <p:sldId id="270" r:id="rId10"/>
     <p:sldId id="271" r:id="rId11"/>
-    <p:sldId id="273" r:id="rId12"/>
+    <p:sldId id="275" r:id="rId12"/>
+    <p:sldId id="273" r:id="rId13"/>
   </p:sldIdLst>
   <p:sldSz cx="12192000" cy="6858000"/>
   <p:notesSz cx="6858000" cy="9144000"/>
@@ -3104,7 +3105,7 @@
   <dgm:whole/>
   <dgm:extLst>
     <a:ext uri="http://schemas.microsoft.com/office/drawing/2008/diagram">
-      <dsp:dataModelExt xmlns:dsp="http://schemas.microsoft.com/office/drawing/2008/diagram" relId="rId8" minVer="http://schemas.openxmlformats.org/drawingml/2006/diagram"/>
+      <dsp:dataModelExt xmlns:dsp="http://schemas.microsoft.com/office/drawing/2008/diagram" relId="rId9" minVer="http://schemas.openxmlformats.org/drawingml/2006/diagram"/>
     </a:ext>
   </dgm:extLst>
 </dgm:dataModel>
@@ -3694,7 +3695,7 @@
   <dgm:whole/>
   <dgm:extLst>
     <a:ext uri="http://schemas.microsoft.com/office/drawing/2008/diagram">
-      <dsp:dataModelExt xmlns:dsp="http://schemas.microsoft.com/office/drawing/2008/diagram" relId="rId8" minVer="http://schemas.openxmlformats.org/drawingml/2006/diagram"/>
+      <dsp:dataModelExt xmlns:dsp="http://schemas.microsoft.com/office/drawing/2008/diagram" relId="rId9" minVer="http://schemas.openxmlformats.org/drawingml/2006/diagram"/>
     </a:ext>
   </dgm:extLst>
 </dgm:dataModel>
@@ -11761,7 +11762,7 @@
           <a:p>
             <a:fld id="{A5C20BB3-3CCB-4FE5-991B-82F6BCB48AF3}" type="datetimeFigureOut">
               <a:rPr lang="en-US" smtClean="0"/>
-              <a:t>8/1/2023</a:t>
+              <a:t>8/2/2023</a:t>
             </a:fld>
             <a:endParaRPr lang="en-US"/>
           </a:p>
@@ -12072,7 +12073,623 @@
           <a:bodyPr/>
           <a:lstStyle/>
           <a:p>
+            <a:r>
+              <a:rPr lang="en-US" dirty="0" err="1"/>
+              <a:t>Priyesh</a:t>
+            </a:r>
             <a:endParaRPr lang="en-US" dirty="0"/>
+          </a:p>
+        </p:txBody>
+      </p:sp>
+      <p:sp>
+        <p:nvSpPr>
+          <p:cNvPr id="4" name="Slide Number Placeholder 3"/>
+          <p:cNvSpPr>
+            <a:spLocks noGrp="1"/>
+          </p:cNvSpPr>
+          <p:nvPr>
+            <p:ph type="sldNum" sz="quarter" idx="5"/>
+          </p:nvPr>
+        </p:nvSpPr>
+        <p:spPr/>
+        <p:txBody>
+          <a:bodyPr/>
+          <a:lstStyle/>
+          <a:p>
+            <a:fld id="{E0746DE6-3336-457D-A091-FA20AC1C536E}" type="slidenum">
+              <a:rPr lang="en-US" smtClean="0"/>
+              <a:t>1</a:t>
+            </a:fld>
+            <a:endParaRPr lang="en-US"/>
+          </a:p>
+        </p:txBody>
+      </p:sp>
+    </p:spTree>
+    <p:extLst>
+      <p:ext uri="{BB962C8B-B14F-4D97-AF65-F5344CB8AC3E}">
+        <p14:creationId xmlns:p14="http://schemas.microsoft.com/office/powerpoint/2010/main" val="834228799"/>
+      </p:ext>
+    </p:extLst>
+  </p:cSld>
+  <p:clrMapOvr>
+    <a:masterClrMapping/>
+  </p:clrMapOvr>
+</p:notes>
+</file>
+
+<file path=ppt/notesSlides/notesSlide10.xml><?xml version="1.0" encoding="utf-8"?>
+<p:notes xmlns:a="http://schemas.openxmlformats.org/drawingml/2006/main" xmlns:r="http://schemas.openxmlformats.org/officeDocument/2006/relationships" xmlns:p="http://schemas.openxmlformats.org/presentationml/2006/main">
+  <p:cSld>
+    <p:spTree>
+      <p:nvGrpSpPr>
+        <p:cNvPr id="1" name=""/>
+        <p:cNvGrpSpPr/>
+        <p:nvPr/>
+      </p:nvGrpSpPr>
+      <p:grpSpPr>
+        <a:xfrm>
+          <a:off x="0" y="0"/>
+          <a:ext cx="0" cy="0"/>
+          <a:chOff x="0" y="0"/>
+          <a:chExt cx="0" cy="0"/>
+        </a:xfrm>
+      </p:grpSpPr>
+      <p:sp>
+        <p:nvSpPr>
+          <p:cNvPr id="2" name="Slide Image Placeholder 1"/>
+          <p:cNvSpPr>
+            <a:spLocks noGrp="1" noRot="1" noChangeAspect="1"/>
+          </p:cNvSpPr>
+          <p:nvPr>
+            <p:ph type="sldImg"/>
+          </p:nvPr>
+        </p:nvSpPr>
+        <p:spPr/>
+      </p:sp>
+      <p:sp>
+        <p:nvSpPr>
+          <p:cNvPr id="3" name="Notes Placeholder 2"/>
+          <p:cNvSpPr>
+            <a:spLocks noGrp="1"/>
+          </p:cNvSpPr>
+          <p:nvPr>
+            <p:ph type="body" idx="1"/>
+          </p:nvPr>
+        </p:nvSpPr>
+        <p:spPr/>
+        <p:txBody>
+          <a:bodyPr/>
+          <a:lstStyle/>
+          <a:p>
+            <a:r>
+              <a:rPr lang="en-US" dirty="0"/>
+              <a:t>Jenny</a:t>
+            </a:r>
+          </a:p>
+        </p:txBody>
+      </p:sp>
+      <p:sp>
+        <p:nvSpPr>
+          <p:cNvPr id="4" name="Slide Number Placeholder 3"/>
+          <p:cNvSpPr>
+            <a:spLocks noGrp="1"/>
+          </p:cNvSpPr>
+          <p:nvPr>
+            <p:ph type="sldNum" sz="quarter" idx="5"/>
+          </p:nvPr>
+        </p:nvSpPr>
+        <p:spPr/>
+        <p:txBody>
+          <a:bodyPr/>
+          <a:lstStyle/>
+          <a:p>
+            <a:fld id="{E0746DE6-3336-457D-A091-FA20AC1C536E}" type="slidenum">
+              <a:rPr lang="en-US" smtClean="0"/>
+              <a:t>10</a:t>
+            </a:fld>
+            <a:endParaRPr lang="en-US"/>
+          </a:p>
+        </p:txBody>
+      </p:sp>
+    </p:spTree>
+    <p:extLst>
+      <p:ext uri="{BB962C8B-B14F-4D97-AF65-F5344CB8AC3E}">
+        <p14:creationId xmlns:p14="http://schemas.microsoft.com/office/powerpoint/2010/main" val="1438544929"/>
+      </p:ext>
+    </p:extLst>
+  </p:cSld>
+  <p:clrMapOvr>
+    <a:masterClrMapping/>
+  </p:clrMapOvr>
+</p:notes>
+</file>
+
+<file path=ppt/notesSlides/notesSlide11.xml><?xml version="1.0" encoding="utf-8"?>
+<p:notes xmlns:a="http://schemas.openxmlformats.org/drawingml/2006/main" xmlns:r="http://schemas.openxmlformats.org/officeDocument/2006/relationships" xmlns:p="http://schemas.openxmlformats.org/presentationml/2006/main">
+  <p:cSld>
+    <p:spTree>
+      <p:nvGrpSpPr>
+        <p:cNvPr id="1" name=""/>
+        <p:cNvGrpSpPr/>
+        <p:nvPr/>
+      </p:nvGrpSpPr>
+      <p:grpSpPr>
+        <a:xfrm>
+          <a:off x="0" y="0"/>
+          <a:ext cx="0" cy="0"/>
+          <a:chOff x="0" y="0"/>
+          <a:chExt cx="0" cy="0"/>
+        </a:xfrm>
+      </p:grpSpPr>
+      <p:sp>
+        <p:nvSpPr>
+          <p:cNvPr id="2" name="Slide Image Placeholder 1"/>
+          <p:cNvSpPr>
+            <a:spLocks noGrp="1" noRot="1" noChangeAspect="1"/>
+          </p:cNvSpPr>
+          <p:nvPr>
+            <p:ph type="sldImg"/>
+          </p:nvPr>
+        </p:nvSpPr>
+        <p:spPr/>
+      </p:sp>
+      <p:sp>
+        <p:nvSpPr>
+          <p:cNvPr id="3" name="Notes Placeholder 2"/>
+          <p:cNvSpPr>
+            <a:spLocks noGrp="1"/>
+          </p:cNvSpPr>
+          <p:nvPr>
+            <p:ph type="body" idx="1"/>
+          </p:nvPr>
+        </p:nvSpPr>
+        <p:spPr/>
+        <p:txBody>
+          <a:bodyPr/>
+          <a:lstStyle/>
+          <a:p>
+            <a:r>
+              <a:rPr lang="en-US" dirty="0"/>
+              <a:t>Jenny</a:t>
+            </a:r>
+          </a:p>
+        </p:txBody>
+      </p:sp>
+      <p:sp>
+        <p:nvSpPr>
+          <p:cNvPr id="4" name="Slide Number Placeholder 3"/>
+          <p:cNvSpPr>
+            <a:spLocks noGrp="1"/>
+          </p:cNvSpPr>
+          <p:nvPr>
+            <p:ph type="sldNum" sz="quarter" idx="5"/>
+          </p:nvPr>
+        </p:nvSpPr>
+        <p:spPr/>
+        <p:txBody>
+          <a:bodyPr/>
+          <a:lstStyle/>
+          <a:p>
+            <a:fld id="{E0746DE6-3336-457D-A091-FA20AC1C536E}" type="slidenum">
+              <a:rPr lang="en-US" smtClean="0"/>
+              <a:t>11</a:t>
+            </a:fld>
+            <a:endParaRPr lang="en-US"/>
+          </a:p>
+        </p:txBody>
+      </p:sp>
+    </p:spTree>
+    <p:extLst>
+      <p:ext uri="{BB962C8B-B14F-4D97-AF65-F5344CB8AC3E}">
+        <p14:creationId xmlns:p14="http://schemas.microsoft.com/office/powerpoint/2010/main" val="3837947221"/>
+      </p:ext>
+    </p:extLst>
+  </p:cSld>
+  <p:clrMapOvr>
+    <a:masterClrMapping/>
+  </p:clrMapOvr>
+</p:notes>
+</file>
+
+<file path=ppt/notesSlides/notesSlide2.xml><?xml version="1.0" encoding="utf-8"?>
+<p:notes xmlns:a="http://schemas.openxmlformats.org/drawingml/2006/main" xmlns:r="http://schemas.openxmlformats.org/officeDocument/2006/relationships" xmlns:p="http://schemas.openxmlformats.org/presentationml/2006/main">
+  <p:cSld>
+    <p:spTree>
+      <p:nvGrpSpPr>
+        <p:cNvPr id="1" name=""/>
+        <p:cNvGrpSpPr/>
+        <p:nvPr/>
+      </p:nvGrpSpPr>
+      <p:grpSpPr>
+        <a:xfrm>
+          <a:off x="0" y="0"/>
+          <a:ext cx="0" cy="0"/>
+          <a:chOff x="0" y="0"/>
+          <a:chExt cx="0" cy="0"/>
+        </a:xfrm>
+      </p:grpSpPr>
+      <p:sp>
+        <p:nvSpPr>
+          <p:cNvPr id="2" name="Slide Image Placeholder 1"/>
+          <p:cNvSpPr>
+            <a:spLocks noGrp="1" noRot="1" noChangeAspect="1"/>
+          </p:cNvSpPr>
+          <p:nvPr>
+            <p:ph type="sldImg"/>
+          </p:nvPr>
+        </p:nvSpPr>
+        <p:spPr/>
+      </p:sp>
+      <p:sp>
+        <p:nvSpPr>
+          <p:cNvPr id="3" name="Notes Placeholder 2"/>
+          <p:cNvSpPr>
+            <a:spLocks noGrp="1"/>
+          </p:cNvSpPr>
+          <p:nvPr>
+            <p:ph type="body" idx="1"/>
+          </p:nvPr>
+        </p:nvSpPr>
+        <p:spPr/>
+        <p:txBody>
+          <a:bodyPr/>
+          <a:lstStyle/>
+          <a:p>
+            <a:r>
+              <a:rPr lang="en-US" dirty="0" err="1"/>
+              <a:t>Priyesh</a:t>
+            </a:r>
+            <a:endParaRPr lang="en-US" dirty="0"/>
+          </a:p>
+        </p:txBody>
+      </p:sp>
+      <p:sp>
+        <p:nvSpPr>
+          <p:cNvPr id="4" name="Slide Number Placeholder 3"/>
+          <p:cNvSpPr>
+            <a:spLocks noGrp="1"/>
+          </p:cNvSpPr>
+          <p:nvPr>
+            <p:ph type="sldNum" sz="quarter" idx="5"/>
+          </p:nvPr>
+        </p:nvSpPr>
+        <p:spPr/>
+        <p:txBody>
+          <a:bodyPr/>
+          <a:lstStyle/>
+          <a:p>
+            <a:fld id="{E0746DE6-3336-457D-A091-FA20AC1C536E}" type="slidenum">
+              <a:rPr lang="en-US" smtClean="0"/>
+              <a:t>2</a:t>
+            </a:fld>
+            <a:endParaRPr lang="en-US"/>
+          </a:p>
+        </p:txBody>
+      </p:sp>
+    </p:spTree>
+    <p:extLst>
+      <p:ext uri="{BB962C8B-B14F-4D97-AF65-F5344CB8AC3E}">
+        <p14:creationId xmlns:p14="http://schemas.microsoft.com/office/powerpoint/2010/main" val="3038067332"/>
+      </p:ext>
+    </p:extLst>
+  </p:cSld>
+  <p:clrMapOvr>
+    <a:masterClrMapping/>
+  </p:clrMapOvr>
+</p:notes>
+</file>
+
+<file path=ppt/notesSlides/notesSlide3.xml><?xml version="1.0" encoding="utf-8"?>
+<p:notes xmlns:a="http://schemas.openxmlformats.org/drawingml/2006/main" xmlns:r="http://schemas.openxmlformats.org/officeDocument/2006/relationships" xmlns:p="http://schemas.openxmlformats.org/presentationml/2006/main">
+  <p:cSld>
+    <p:spTree>
+      <p:nvGrpSpPr>
+        <p:cNvPr id="1" name=""/>
+        <p:cNvGrpSpPr/>
+        <p:nvPr/>
+      </p:nvGrpSpPr>
+      <p:grpSpPr>
+        <a:xfrm>
+          <a:off x="0" y="0"/>
+          <a:ext cx="0" cy="0"/>
+          <a:chOff x="0" y="0"/>
+          <a:chExt cx="0" cy="0"/>
+        </a:xfrm>
+      </p:grpSpPr>
+      <p:sp>
+        <p:nvSpPr>
+          <p:cNvPr id="2" name="Slide Image Placeholder 1"/>
+          <p:cNvSpPr>
+            <a:spLocks noGrp="1" noRot="1" noChangeAspect="1"/>
+          </p:cNvSpPr>
+          <p:nvPr>
+            <p:ph type="sldImg"/>
+          </p:nvPr>
+        </p:nvSpPr>
+        <p:spPr/>
+      </p:sp>
+      <p:sp>
+        <p:nvSpPr>
+          <p:cNvPr id="3" name="Notes Placeholder 2"/>
+          <p:cNvSpPr>
+            <a:spLocks noGrp="1"/>
+          </p:cNvSpPr>
+          <p:nvPr>
+            <p:ph type="body" idx="1"/>
+          </p:nvPr>
+        </p:nvSpPr>
+        <p:spPr/>
+        <p:txBody>
+          <a:bodyPr/>
+          <a:lstStyle/>
+          <a:p>
+            <a:r>
+              <a:rPr lang="en-US" dirty="0" err="1"/>
+              <a:t>Priyesh</a:t>
+            </a:r>
+            <a:endParaRPr lang="en-US" dirty="0"/>
+          </a:p>
+        </p:txBody>
+      </p:sp>
+      <p:sp>
+        <p:nvSpPr>
+          <p:cNvPr id="4" name="Slide Number Placeholder 3"/>
+          <p:cNvSpPr>
+            <a:spLocks noGrp="1"/>
+          </p:cNvSpPr>
+          <p:nvPr>
+            <p:ph type="sldNum" sz="quarter" idx="5"/>
+          </p:nvPr>
+        </p:nvSpPr>
+        <p:spPr/>
+        <p:txBody>
+          <a:bodyPr/>
+          <a:lstStyle/>
+          <a:p>
+            <a:fld id="{E0746DE6-3336-457D-A091-FA20AC1C536E}" type="slidenum">
+              <a:rPr lang="en-US" smtClean="0"/>
+              <a:t>3</a:t>
+            </a:fld>
+            <a:endParaRPr lang="en-US"/>
+          </a:p>
+        </p:txBody>
+      </p:sp>
+    </p:spTree>
+    <p:extLst>
+      <p:ext uri="{BB962C8B-B14F-4D97-AF65-F5344CB8AC3E}">
+        <p14:creationId xmlns:p14="http://schemas.microsoft.com/office/powerpoint/2010/main" val="1411391688"/>
+      </p:ext>
+    </p:extLst>
+  </p:cSld>
+  <p:clrMapOvr>
+    <a:masterClrMapping/>
+  </p:clrMapOvr>
+</p:notes>
+</file>
+
+<file path=ppt/notesSlides/notesSlide4.xml><?xml version="1.0" encoding="utf-8"?>
+<p:notes xmlns:a="http://schemas.openxmlformats.org/drawingml/2006/main" xmlns:r="http://schemas.openxmlformats.org/officeDocument/2006/relationships" xmlns:p="http://schemas.openxmlformats.org/presentationml/2006/main">
+  <p:cSld>
+    <p:spTree>
+      <p:nvGrpSpPr>
+        <p:cNvPr id="1" name=""/>
+        <p:cNvGrpSpPr/>
+        <p:nvPr/>
+      </p:nvGrpSpPr>
+      <p:grpSpPr>
+        <a:xfrm>
+          <a:off x="0" y="0"/>
+          <a:ext cx="0" cy="0"/>
+          <a:chOff x="0" y="0"/>
+          <a:chExt cx="0" cy="0"/>
+        </a:xfrm>
+      </p:grpSpPr>
+      <p:sp>
+        <p:nvSpPr>
+          <p:cNvPr id="2" name="Slide Image Placeholder 1"/>
+          <p:cNvSpPr>
+            <a:spLocks noGrp="1" noRot="1" noChangeAspect="1"/>
+          </p:cNvSpPr>
+          <p:nvPr>
+            <p:ph type="sldImg"/>
+          </p:nvPr>
+        </p:nvSpPr>
+        <p:spPr/>
+      </p:sp>
+      <p:sp>
+        <p:nvSpPr>
+          <p:cNvPr id="3" name="Notes Placeholder 2"/>
+          <p:cNvSpPr>
+            <a:spLocks noGrp="1"/>
+          </p:cNvSpPr>
+          <p:nvPr>
+            <p:ph type="body" idx="1"/>
+          </p:nvPr>
+        </p:nvSpPr>
+        <p:spPr/>
+        <p:txBody>
+          <a:bodyPr/>
+          <a:lstStyle/>
+          <a:p>
+            <a:r>
+              <a:rPr lang="en-US" dirty="0" err="1"/>
+              <a:t>Priyesh</a:t>
+            </a:r>
+            <a:endParaRPr lang="en-US" dirty="0"/>
+          </a:p>
+        </p:txBody>
+      </p:sp>
+      <p:sp>
+        <p:nvSpPr>
+          <p:cNvPr id="4" name="Slide Number Placeholder 3"/>
+          <p:cNvSpPr>
+            <a:spLocks noGrp="1"/>
+          </p:cNvSpPr>
+          <p:nvPr>
+            <p:ph type="sldNum" sz="quarter" idx="5"/>
+          </p:nvPr>
+        </p:nvSpPr>
+        <p:spPr/>
+        <p:txBody>
+          <a:bodyPr/>
+          <a:lstStyle/>
+          <a:p>
+            <a:fld id="{E0746DE6-3336-457D-A091-FA20AC1C536E}" type="slidenum">
+              <a:rPr lang="en-US" smtClean="0"/>
+              <a:t>4</a:t>
+            </a:fld>
+            <a:endParaRPr lang="en-US"/>
+          </a:p>
+        </p:txBody>
+      </p:sp>
+    </p:spTree>
+    <p:extLst>
+      <p:ext uri="{BB962C8B-B14F-4D97-AF65-F5344CB8AC3E}">
+        <p14:creationId xmlns:p14="http://schemas.microsoft.com/office/powerpoint/2010/main" val="2697278512"/>
+      </p:ext>
+    </p:extLst>
+  </p:cSld>
+  <p:clrMapOvr>
+    <a:masterClrMapping/>
+  </p:clrMapOvr>
+</p:notes>
+</file>
+
+<file path=ppt/notesSlides/notesSlide5.xml><?xml version="1.0" encoding="utf-8"?>
+<p:notes xmlns:a="http://schemas.openxmlformats.org/drawingml/2006/main" xmlns:r="http://schemas.openxmlformats.org/officeDocument/2006/relationships" xmlns:p="http://schemas.openxmlformats.org/presentationml/2006/main">
+  <p:cSld>
+    <p:spTree>
+      <p:nvGrpSpPr>
+        <p:cNvPr id="1" name=""/>
+        <p:cNvGrpSpPr/>
+        <p:nvPr/>
+      </p:nvGrpSpPr>
+      <p:grpSpPr>
+        <a:xfrm>
+          <a:off x="0" y="0"/>
+          <a:ext cx="0" cy="0"/>
+          <a:chOff x="0" y="0"/>
+          <a:chExt cx="0" cy="0"/>
+        </a:xfrm>
+      </p:grpSpPr>
+      <p:sp>
+        <p:nvSpPr>
+          <p:cNvPr id="2" name="Slide Image Placeholder 1"/>
+          <p:cNvSpPr>
+            <a:spLocks noGrp="1" noRot="1" noChangeAspect="1"/>
+          </p:cNvSpPr>
+          <p:nvPr>
+            <p:ph type="sldImg"/>
+          </p:nvPr>
+        </p:nvSpPr>
+        <p:spPr/>
+      </p:sp>
+      <p:sp>
+        <p:nvSpPr>
+          <p:cNvPr id="3" name="Notes Placeholder 2"/>
+          <p:cNvSpPr>
+            <a:spLocks noGrp="1"/>
+          </p:cNvSpPr>
+          <p:nvPr>
+            <p:ph type="body" idx="1"/>
+          </p:nvPr>
+        </p:nvSpPr>
+        <p:spPr/>
+        <p:txBody>
+          <a:bodyPr/>
+          <a:lstStyle/>
+          <a:p>
+            <a:r>
+              <a:rPr lang="en-US" dirty="0"/>
+              <a:t>Ermin</a:t>
+            </a:r>
+          </a:p>
+        </p:txBody>
+      </p:sp>
+      <p:sp>
+        <p:nvSpPr>
+          <p:cNvPr id="4" name="Slide Number Placeholder 3"/>
+          <p:cNvSpPr>
+            <a:spLocks noGrp="1"/>
+          </p:cNvSpPr>
+          <p:nvPr>
+            <p:ph type="sldNum" sz="quarter" idx="5"/>
+          </p:nvPr>
+        </p:nvSpPr>
+        <p:spPr/>
+        <p:txBody>
+          <a:bodyPr/>
+          <a:lstStyle/>
+          <a:p>
+            <a:fld id="{E0746DE6-3336-457D-A091-FA20AC1C536E}" type="slidenum">
+              <a:rPr lang="en-US" smtClean="0"/>
+              <a:t>5</a:t>
+            </a:fld>
+            <a:endParaRPr lang="en-US"/>
+          </a:p>
+        </p:txBody>
+      </p:sp>
+    </p:spTree>
+    <p:extLst>
+      <p:ext uri="{BB962C8B-B14F-4D97-AF65-F5344CB8AC3E}">
+        <p14:creationId xmlns:p14="http://schemas.microsoft.com/office/powerpoint/2010/main" val="597543798"/>
+      </p:ext>
+    </p:extLst>
+  </p:cSld>
+  <p:clrMapOvr>
+    <a:masterClrMapping/>
+  </p:clrMapOvr>
+</p:notes>
+</file>
+
+<file path=ppt/notesSlides/notesSlide6.xml><?xml version="1.0" encoding="utf-8"?>
+<p:notes xmlns:a="http://schemas.openxmlformats.org/drawingml/2006/main" xmlns:r="http://schemas.openxmlformats.org/officeDocument/2006/relationships" xmlns:p="http://schemas.openxmlformats.org/presentationml/2006/main">
+  <p:cSld>
+    <p:spTree>
+      <p:nvGrpSpPr>
+        <p:cNvPr id="1" name=""/>
+        <p:cNvGrpSpPr/>
+        <p:nvPr/>
+      </p:nvGrpSpPr>
+      <p:grpSpPr>
+        <a:xfrm>
+          <a:off x="0" y="0"/>
+          <a:ext cx="0" cy="0"/>
+          <a:chOff x="0" y="0"/>
+          <a:chExt cx="0" cy="0"/>
+        </a:xfrm>
+      </p:grpSpPr>
+      <p:sp>
+        <p:nvSpPr>
+          <p:cNvPr id="2" name="Slide Image Placeholder 1"/>
+          <p:cNvSpPr>
+            <a:spLocks noGrp="1" noRot="1" noChangeAspect="1"/>
+          </p:cNvSpPr>
+          <p:nvPr>
+            <p:ph type="sldImg"/>
+          </p:nvPr>
+        </p:nvSpPr>
+        <p:spPr/>
+      </p:sp>
+      <p:sp>
+        <p:nvSpPr>
+          <p:cNvPr id="3" name="Notes Placeholder 2"/>
+          <p:cNvSpPr>
+            <a:spLocks noGrp="1"/>
+          </p:cNvSpPr>
+          <p:nvPr>
+            <p:ph type="body" idx="1"/>
+          </p:nvPr>
+        </p:nvSpPr>
+        <p:spPr/>
+        <p:txBody>
+          <a:bodyPr/>
+          <a:lstStyle/>
+          <a:p>
+            <a:r>
+              <a:rPr lang="en-US" dirty="0"/>
+              <a:t>Ermin</a:t>
+            </a:r>
           </a:p>
         </p:txBody>
       </p:sp>
@@ -12103,6 +12720,268 @@
     <p:extLst>
       <p:ext uri="{BB962C8B-B14F-4D97-AF65-F5344CB8AC3E}">
         <p14:creationId xmlns:p14="http://schemas.microsoft.com/office/powerpoint/2010/main" val="4211865467"/>
+      </p:ext>
+    </p:extLst>
+  </p:cSld>
+  <p:clrMapOvr>
+    <a:masterClrMapping/>
+  </p:clrMapOvr>
+</p:notes>
+</file>
+
+<file path=ppt/notesSlides/notesSlide7.xml><?xml version="1.0" encoding="utf-8"?>
+<p:notes xmlns:a="http://schemas.openxmlformats.org/drawingml/2006/main" xmlns:r="http://schemas.openxmlformats.org/officeDocument/2006/relationships" xmlns:p="http://schemas.openxmlformats.org/presentationml/2006/main">
+  <p:cSld>
+    <p:spTree>
+      <p:nvGrpSpPr>
+        <p:cNvPr id="1" name=""/>
+        <p:cNvGrpSpPr/>
+        <p:nvPr/>
+      </p:nvGrpSpPr>
+      <p:grpSpPr>
+        <a:xfrm>
+          <a:off x="0" y="0"/>
+          <a:ext cx="0" cy="0"/>
+          <a:chOff x="0" y="0"/>
+          <a:chExt cx="0" cy="0"/>
+        </a:xfrm>
+      </p:grpSpPr>
+      <p:sp>
+        <p:nvSpPr>
+          <p:cNvPr id="2" name="Slide Image Placeholder 1"/>
+          <p:cNvSpPr>
+            <a:spLocks noGrp="1" noRot="1" noChangeAspect="1"/>
+          </p:cNvSpPr>
+          <p:nvPr>
+            <p:ph type="sldImg"/>
+          </p:nvPr>
+        </p:nvSpPr>
+        <p:spPr/>
+      </p:sp>
+      <p:sp>
+        <p:nvSpPr>
+          <p:cNvPr id="3" name="Notes Placeholder 2"/>
+          <p:cNvSpPr>
+            <a:spLocks noGrp="1"/>
+          </p:cNvSpPr>
+          <p:nvPr>
+            <p:ph type="body" idx="1"/>
+          </p:nvPr>
+        </p:nvSpPr>
+        <p:spPr/>
+        <p:txBody>
+          <a:bodyPr/>
+          <a:lstStyle/>
+          <a:p>
+            <a:r>
+              <a:rPr lang="en-US" dirty="0"/>
+              <a:t>Hasan</a:t>
+            </a:r>
+          </a:p>
+        </p:txBody>
+      </p:sp>
+      <p:sp>
+        <p:nvSpPr>
+          <p:cNvPr id="4" name="Slide Number Placeholder 3"/>
+          <p:cNvSpPr>
+            <a:spLocks noGrp="1"/>
+          </p:cNvSpPr>
+          <p:nvPr>
+            <p:ph type="sldNum" sz="quarter" idx="5"/>
+          </p:nvPr>
+        </p:nvSpPr>
+        <p:spPr/>
+        <p:txBody>
+          <a:bodyPr/>
+          <a:lstStyle/>
+          <a:p>
+            <a:fld id="{E0746DE6-3336-457D-A091-FA20AC1C536E}" type="slidenum">
+              <a:rPr lang="en-US" smtClean="0"/>
+              <a:t>7</a:t>
+            </a:fld>
+            <a:endParaRPr lang="en-US"/>
+          </a:p>
+        </p:txBody>
+      </p:sp>
+    </p:spTree>
+    <p:extLst>
+      <p:ext uri="{BB962C8B-B14F-4D97-AF65-F5344CB8AC3E}">
+        <p14:creationId xmlns:p14="http://schemas.microsoft.com/office/powerpoint/2010/main" val="2172663222"/>
+      </p:ext>
+    </p:extLst>
+  </p:cSld>
+  <p:clrMapOvr>
+    <a:masterClrMapping/>
+  </p:clrMapOvr>
+</p:notes>
+</file>
+
+<file path=ppt/notesSlides/notesSlide8.xml><?xml version="1.0" encoding="utf-8"?>
+<p:notes xmlns:a="http://schemas.openxmlformats.org/drawingml/2006/main" xmlns:r="http://schemas.openxmlformats.org/officeDocument/2006/relationships" xmlns:p="http://schemas.openxmlformats.org/presentationml/2006/main">
+  <p:cSld>
+    <p:spTree>
+      <p:nvGrpSpPr>
+        <p:cNvPr id="1" name=""/>
+        <p:cNvGrpSpPr/>
+        <p:nvPr/>
+      </p:nvGrpSpPr>
+      <p:grpSpPr>
+        <a:xfrm>
+          <a:off x="0" y="0"/>
+          <a:ext cx="0" cy="0"/>
+          <a:chOff x="0" y="0"/>
+          <a:chExt cx="0" cy="0"/>
+        </a:xfrm>
+      </p:grpSpPr>
+      <p:sp>
+        <p:nvSpPr>
+          <p:cNvPr id="2" name="Slide Image Placeholder 1"/>
+          <p:cNvSpPr>
+            <a:spLocks noGrp="1" noRot="1" noChangeAspect="1"/>
+          </p:cNvSpPr>
+          <p:nvPr>
+            <p:ph type="sldImg"/>
+          </p:nvPr>
+        </p:nvSpPr>
+        <p:spPr/>
+      </p:sp>
+      <p:sp>
+        <p:nvSpPr>
+          <p:cNvPr id="3" name="Notes Placeholder 2"/>
+          <p:cNvSpPr>
+            <a:spLocks noGrp="1"/>
+          </p:cNvSpPr>
+          <p:nvPr>
+            <p:ph type="body" idx="1"/>
+          </p:nvPr>
+        </p:nvSpPr>
+        <p:spPr/>
+        <p:txBody>
+          <a:bodyPr/>
+          <a:lstStyle/>
+          <a:p>
+            <a:r>
+              <a:rPr lang="en-US" dirty="0"/>
+              <a:t>Hasan</a:t>
+            </a:r>
+          </a:p>
+        </p:txBody>
+      </p:sp>
+      <p:sp>
+        <p:nvSpPr>
+          <p:cNvPr id="4" name="Slide Number Placeholder 3"/>
+          <p:cNvSpPr>
+            <a:spLocks noGrp="1"/>
+          </p:cNvSpPr>
+          <p:nvPr>
+            <p:ph type="sldNum" sz="quarter" idx="5"/>
+          </p:nvPr>
+        </p:nvSpPr>
+        <p:spPr/>
+        <p:txBody>
+          <a:bodyPr/>
+          <a:lstStyle/>
+          <a:p>
+            <a:fld id="{E0746DE6-3336-457D-A091-FA20AC1C536E}" type="slidenum">
+              <a:rPr lang="en-US" smtClean="0"/>
+              <a:t>8</a:t>
+            </a:fld>
+            <a:endParaRPr lang="en-US"/>
+          </a:p>
+        </p:txBody>
+      </p:sp>
+    </p:spTree>
+    <p:extLst>
+      <p:ext uri="{BB962C8B-B14F-4D97-AF65-F5344CB8AC3E}">
+        <p14:creationId xmlns:p14="http://schemas.microsoft.com/office/powerpoint/2010/main" val="2715043539"/>
+      </p:ext>
+    </p:extLst>
+  </p:cSld>
+  <p:clrMapOvr>
+    <a:masterClrMapping/>
+  </p:clrMapOvr>
+</p:notes>
+</file>
+
+<file path=ppt/notesSlides/notesSlide9.xml><?xml version="1.0" encoding="utf-8"?>
+<p:notes xmlns:a="http://schemas.openxmlformats.org/drawingml/2006/main" xmlns:r="http://schemas.openxmlformats.org/officeDocument/2006/relationships" xmlns:p="http://schemas.openxmlformats.org/presentationml/2006/main">
+  <p:cSld>
+    <p:spTree>
+      <p:nvGrpSpPr>
+        <p:cNvPr id="1" name=""/>
+        <p:cNvGrpSpPr/>
+        <p:nvPr/>
+      </p:nvGrpSpPr>
+      <p:grpSpPr>
+        <a:xfrm>
+          <a:off x="0" y="0"/>
+          <a:ext cx="0" cy="0"/>
+          <a:chOff x="0" y="0"/>
+          <a:chExt cx="0" cy="0"/>
+        </a:xfrm>
+      </p:grpSpPr>
+      <p:sp>
+        <p:nvSpPr>
+          <p:cNvPr id="2" name="Slide Image Placeholder 1"/>
+          <p:cNvSpPr>
+            <a:spLocks noGrp="1" noRot="1" noChangeAspect="1"/>
+          </p:cNvSpPr>
+          <p:nvPr>
+            <p:ph type="sldImg"/>
+          </p:nvPr>
+        </p:nvSpPr>
+        <p:spPr/>
+      </p:sp>
+      <p:sp>
+        <p:nvSpPr>
+          <p:cNvPr id="3" name="Notes Placeholder 2"/>
+          <p:cNvSpPr>
+            <a:spLocks noGrp="1"/>
+          </p:cNvSpPr>
+          <p:nvPr>
+            <p:ph type="body" idx="1"/>
+          </p:nvPr>
+        </p:nvSpPr>
+        <p:spPr/>
+        <p:txBody>
+          <a:bodyPr/>
+          <a:lstStyle/>
+          <a:p>
+            <a:r>
+              <a:rPr lang="en-US" dirty="0" err="1"/>
+              <a:t>Punith</a:t>
+            </a:r>
+            <a:endParaRPr lang="en-US" dirty="0"/>
+          </a:p>
+        </p:txBody>
+      </p:sp>
+      <p:sp>
+        <p:nvSpPr>
+          <p:cNvPr id="4" name="Slide Number Placeholder 3"/>
+          <p:cNvSpPr>
+            <a:spLocks noGrp="1"/>
+          </p:cNvSpPr>
+          <p:nvPr>
+            <p:ph type="sldNum" sz="quarter" idx="5"/>
+          </p:nvPr>
+        </p:nvSpPr>
+        <p:spPr/>
+        <p:txBody>
+          <a:bodyPr/>
+          <a:lstStyle/>
+          <a:p>
+            <a:fld id="{E0746DE6-3336-457D-A091-FA20AC1C536E}" type="slidenum">
+              <a:rPr lang="en-US" smtClean="0"/>
+              <a:t>9</a:t>
+            </a:fld>
+            <a:endParaRPr lang="en-US"/>
+          </a:p>
+        </p:txBody>
+      </p:sp>
+    </p:spTree>
+    <p:extLst>
+      <p:ext uri="{BB962C8B-B14F-4D97-AF65-F5344CB8AC3E}">
+        <p14:creationId xmlns:p14="http://schemas.microsoft.com/office/powerpoint/2010/main" val="3114443041"/>
       </p:ext>
     </p:extLst>
   </p:cSld>
@@ -12325,7 +13204,7 @@
           <a:p>
             <a:fld id="{9E016143-E03C-4CFD-AFDC-14E5BDEA754C}" type="datetimeFigureOut">
               <a:rPr lang="en-US" smtClean="0"/>
-              <a:t>8/1/2023</a:t>
+              <a:t>8/2/2023</a:t>
             </a:fld>
             <a:endParaRPr lang="en-US" dirty="0"/>
           </a:p>
@@ -12617,7 +13496,7 @@
           <a:p>
             <a:fld id="{3652CD92-9D15-43B4-8516-073FCDAC90D4}" type="datetimeFigureOut">
               <a:rPr lang="en-US" smtClean="0"/>
-              <a:t>8/1/2023</a:t>
+              <a:t>8/2/2023</a:t>
             </a:fld>
             <a:endParaRPr lang="en-US"/>
           </a:p>
@@ -12876,7 +13755,7 @@
           <a:p>
             <a:fld id="{3652CD92-9D15-43B4-8516-073FCDAC90D4}" type="datetimeFigureOut">
               <a:rPr lang="en-US" smtClean="0"/>
-              <a:t>8/1/2023</a:t>
+              <a:t>8/2/2023</a:t>
             </a:fld>
             <a:endParaRPr lang="en-US"/>
           </a:p>
@@ -13345,7 +14224,7 @@
           <a:p>
             <a:fld id="{3652CD92-9D15-43B4-8516-073FCDAC90D4}" type="datetimeFigureOut">
               <a:rPr lang="en-US" smtClean="0"/>
-              <a:t>8/1/2023</a:t>
+              <a:t>8/2/2023</a:t>
             </a:fld>
             <a:endParaRPr lang="en-US"/>
           </a:p>
@@ -13525,7 +14404,7 @@
           <a:p>
             <a:fld id="{3652CD92-9D15-43B4-8516-073FCDAC90D4}" type="datetimeFigureOut">
               <a:rPr lang="en-US" smtClean="0"/>
-              <a:t>8/1/2023</a:t>
+              <a:t>8/2/2023</a:t>
             </a:fld>
             <a:endParaRPr lang="en-US"/>
           </a:p>
@@ -14101,7 +14980,7 @@
           <a:p>
             <a:fld id="{3652CD92-9D15-43B4-8516-073FCDAC90D4}" type="datetimeFigureOut">
               <a:rPr lang="en-US" smtClean="0"/>
-              <a:t>8/1/2023</a:t>
+              <a:t>8/2/2023</a:t>
             </a:fld>
             <a:endParaRPr lang="en-US"/>
           </a:p>
@@ -14433,7 +15312,7 @@
           <a:p>
             <a:fld id="{3652CD92-9D15-43B4-8516-073FCDAC90D4}" type="datetimeFigureOut">
               <a:rPr lang="en-US" smtClean="0"/>
-              <a:t>8/1/2023</a:t>
+              <a:t>8/2/2023</a:t>
             </a:fld>
             <a:endParaRPr lang="en-US"/>
           </a:p>
@@ -14608,7 +15487,7 @@
           <a:p>
             <a:fld id="{3652CD92-9D15-43B4-8516-073FCDAC90D4}" type="datetimeFigureOut">
               <a:rPr lang="en-US" smtClean="0"/>
-              <a:t>8/1/2023</a:t>
+              <a:t>8/2/2023</a:t>
             </a:fld>
             <a:endParaRPr lang="en-US"/>
           </a:p>
@@ -14788,7 +15667,7 @@
           <a:p>
             <a:fld id="{3652CD92-9D15-43B4-8516-073FCDAC90D4}" type="datetimeFigureOut">
               <a:rPr lang="en-US" smtClean="0"/>
-              <a:t>8/1/2023</a:t>
+              <a:t>8/2/2023</a:t>
             </a:fld>
             <a:endParaRPr lang="en-US"/>
           </a:p>
@@ -14958,7 +15837,7 @@
           <a:p>
             <a:fld id="{3652CD92-9D15-43B4-8516-073FCDAC90D4}" type="datetimeFigureOut">
               <a:rPr lang="en-US" smtClean="0"/>
-              <a:t>8/1/2023</a:t>
+              <a:t>8/2/2023</a:t>
             </a:fld>
             <a:endParaRPr lang="en-US"/>
           </a:p>
@@ -15215,7 +16094,7 @@
           <a:p>
             <a:fld id="{908A7C6C-0F39-4D70-8E8D-FE5B9C95FA73}" type="datetimeFigureOut">
               <a:rPr lang="en-US" smtClean="0"/>
-              <a:t>8/1/2023</a:t>
+              <a:t>8/2/2023</a:t>
             </a:fld>
             <a:endParaRPr lang="en-US" dirty="0"/>
           </a:p>
@@ -15507,7 +16386,7 @@
           <a:p>
             <a:fld id="{3652CD92-9D15-43B4-8516-073FCDAC90D4}" type="datetimeFigureOut">
               <a:rPr lang="en-US" smtClean="0"/>
-              <a:t>8/1/2023</a:t>
+              <a:t>8/2/2023</a:t>
             </a:fld>
             <a:endParaRPr lang="en-US"/>
           </a:p>
@@ -15937,7 +16816,7 @@
           <a:p>
             <a:fld id="{3652CD92-9D15-43B4-8516-073FCDAC90D4}" type="datetimeFigureOut">
               <a:rPr lang="en-US" smtClean="0"/>
-              <a:t>8/1/2023</a:t>
+              <a:t>8/2/2023</a:t>
             </a:fld>
             <a:endParaRPr lang="en-US"/>
           </a:p>
@@ -16055,7 +16934,7 @@
           <a:p>
             <a:fld id="{4F170639-886C-4FCF-9EAB-ABB5DA3F3F4A}" type="datetimeFigureOut">
               <a:rPr lang="en-US" smtClean="0"/>
-              <a:t>8/1/2023</a:t>
+              <a:t>8/2/2023</a:t>
             </a:fld>
             <a:endParaRPr lang="en-US" dirty="0"/>
           </a:p>
@@ -16150,7 +17029,7 @@
           <a:p>
             <a:fld id="{22230651-31F4-45D2-98AE-A2108F41BC07}" type="datetimeFigureOut">
               <a:rPr lang="en-US" smtClean="0"/>
-              <a:t>8/1/2023</a:t>
+              <a:t>8/2/2023</a:t>
             </a:fld>
             <a:endParaRPr lang="en-US" dirty="0"/>
           </a:p>
@@ -16433,7 +17312,7 @@
           <a:p>
             <a:fld id="{3652CD92-9D15-43B4-8516-073FCDAC90D4}" type="datetimeFigureOut">
               <a:rPr lang="en-US" smtClean="0"/>
-              <a:t>8/1/2023</a:t>
+              <a:t>8/2/2023</a:t>
             </a:fld>
             <a:endParaRPr lang="en-US"/>
           </a:p>
@@ -16724,7 +17603,7 @@
           <a:p>
             <a:fld id="{5E6440AA-91A0-436F-8FDB-C0F939DCAE21}" type="datetimeFigureOut">
               <a:rPr lang="en-US" smtClean="0"/>
-              <a:t>8/1/2023</a:t>
+              <a:t>8/2/2023</a:t>
             </a:fld>
             <a:endParaRPr lang="en-US" dirty="0"/>
           </a:p>
@@ -16955,7 +17834,7 @@
           <a:p>
             <a:fld id="{3652CD92-9D15-43B4-8516-073FCDAC90D4}" type="datetimeFigureOut">
               <a:rPr lang="en-US" smtClean="0"/>
-              <a:t>8/1/2023</a:t>
+              <a:t>8/2/2023</a:t>
             </a:fld>
             <a:endParaRPr lang="en-US"/>
           </a:p>
@@ -17718,7 +18597,7 @@
     <p:bg>
       <p:bgPr>
         <a:blipFill rotWithShape="1">
-          <a:blip r:embed="rId2">
+          <a:blip r:embed="rId3">
             <a:duotone>
               <a:schemeClr val="bg2">
                 <a:shade val="28000"/>
@@ -17939,13 +18818,13 @@
           <p:nvPr/>
         </p:nvPicPr>
         <p:blipFill>
-          <a:blip r:embed="rId3">
+          <a:blip r:embed="rId4">
             <a:extLst>
               <a:ext uri="{28A0092B-C50C-407E-A947-70E740481C1C}">
                 <a14:useLocalDpi xmlns:a14="http://schemas.microsoft.com/office/drawing/2010/main" val="0"/>
               </a:ext>
               <a:ext uri="{96DAC541-7B7A-43D3-8B79-37D633B846F1}">
-                <asvg:svgBlip xmlns:asvg="http://schemas.microsoft.com/office/drawing/2016/SVG/main" r:embed="rId4"/>
+                <asvg:svgBlip xmlns:asvg="http://schemas.microsoft.com/office/drawing/2016/SVG/main" r:embed="rId5"/>
               </a:ext>
             </a:extLst>
           </a:blip>
@@ -18007,7 +18886,7 @@
     <p:bg>
       <p:bgPr>
         <a:blipFill rotWithShape="1">
-          <a:blip r:embed="rId2">
+          <a:blip r:embed="rId3">
             <a:duotone>
               <a:schemeClr val="bg2">
                 <a:shade val="28000"/>
@@ -18056,7 +18935,7 @@
           <p:nvPr/>
         </p:nvPicPr>
         <p:blipFill rotWithShape="1">
-          <a:blip r:embed="rId3">
+          <a:blip r:embed="rId4">
             <a:alphaModFix amt="15000"/>
           </a:blip>
           <a:srcRect t="42308"/>
@@ -18096,9 +18975,8 @@
           <a:p>
             <a:r>
               <a:rPr lang="en-US" dirty="0"/>
-              <a:t>Thoughts</a:t>
+              <a:t>Challenges</a:t>
             </a:r>
-            <a:endParaRPr lang="en-US"/>
           </a:p>
         </p:txBody>
       </p:sp>
@@ -18175,6 +19053,125 @@
 </file>
 
 <file path=ppt/slides/slide11.xml><?xml version="1.0" encoding="utf-8"?>
+<p:sld xmlns:a="http://schemas.openxmlformats.org/drawingml/2006/main" xmlns:r="http://schemas.openxmlformats.org/officeDocument/2006/relationships" xmlns:p="http://schemas.openxmlformats.org/presentationml/2006/main">
+  <p:cSld>
+    <p:spTree>
+      <p:nvGrpSpPr>
+        <p:cNvPr id="1" name=""/>
+        <p:cNvGrpSpPr/>
+        <p:nvPr/>
+      </p:nvGrpSpPr>
+      <p:grpSpPr>
+        <a:xfrm>
+          <a:off x="0" y="0"/>
+          <a:ext cx="0" cy="0"/>
+          <a:chOff x="0" y="0"/>
+          <a:chExt cx="0" cy="0"/>
+        </a:xfrm>
+      </p:grpSpPr>
+      <p:sp>
+        <p:nvSpPr>
+          <p:cNvPr id="2" name="Title 1">
+            <a:extLst>
+              <a:ext uri="{FF2B5EF4-FFF2-40B4-BE49-F238E27FC236}">
+                <a16:creationId xmlns:a16="http://schemas.microsoft.com/office/drawing/2014/main" id="{AF32CDC0-8622-1C31-6C2C-815B3225CFC2}"/>
+              </a:ext>
+            </a:extLst>
+          </p:cNvPr>
+          <p:cNvSpPr>
+            <a:spLocks noGrp="1"/>
+          </p:cNvSpPr>
+          <p:nvPr>
+            <p:ph type="title"/>
+          </p:nvPr>
+        </p:nvSpPr>
+        <p:spPr/>
+        <p:txBody>
+          <a:bodyPr/>
+          <a:lstStyle/>
+          <a:p>
+            <a:r>
+              <a:rPr lang="en-US" dirty="0"/>
+              <a:t>Next Steps</a:t>
+            </a:r>
+          </a:p>
+        </p:txBody>
+      </p:sp>
+      <p:sp>
+        <p:nvSpPr>
+          <p:cNvPr id="3" name="Content Placeholder 2">
+            <a:extLst>
+              <a:ext uri="{FF2B5EF4-FFF2-40B4-BE49-F238E27FC236}">
+                <a16:creationId xmlns:a16="http://schemas.microsoft.com/office/drawing/2014/main" id="{9924905F-D8B6-DE1A-C7EB-7EB2C7596F46}"/>
+              </a:ext>
+            </a:extLst>
+          </p:cNvPr>
+          <p:cNvSpPr>
+            <a:spLocks noGrp="1"/>
+          </p:cNvSpPr>
+          <p:nvPr>
+            <p:ph idx="1"/>
+          </p:nvPr>
+        </p:nvSpPr>
+        <p:spPr>
+          <a:xfrm>
+            <a:off x="1141413" y="2115670"/>
+            <a:ext cx="9905998" cy="3124201"/>
+          </a:xfrm>
+        </p:spPr>
+        <p:txBody>
+          <a:bodyPr/>
+          <a:lstStyle/>
+          <a:p>
+            <a:r>
+              <a:rPr lang="en-US" sz="1800" dirty="0">
+                <a:effectLst/>
+                <a:latin typeface="Century Gothic" panose="020B0502020202020204" pitchFamily="34" charset="0"/>
+                <a:ea typeface="Century Gothic" panose="020B0502020202020204" pitchFamily="34" charset="0"/>
+                <a:cs typeface="Times New Roman" panose="02020603050405020304" pitchFamily="18" charset="0"/>
+              </a:rPr>
+              <a:t>Implement a more user-friendly interface and GUI</a:t>
+            </a:r>
+          </a:p>
+          <a:p>
+            <a:r>
+              <a:rPr lang="en-US" sz="1800" dirty="0">
+                <a:effectLst/>
+                <a:latin typeface="Century Gothic" panose="020B0502020202020204" pitchFamily="34" charset="0"/>
+                <a:ea typeface="Century Gothic" panose="020B0502020202020204" pitchFamily="34" charset="0"/>
+                <a:cs typeface="Times New Roman" panose="02020603050405020304" pitchFamily="18" charset="0"/>
+              </a:rPr>
+              <a:t>Create a bounty program for the community to report vulnerabilities.</a:t>
+            </a:r>
+          </a:p>
+          <a:p>
+            <a:r>
+              <a:rPr lang="en-US" sz="1800" dirty="0">
+                <a:effectLst/>
+                <a:latin typeface="Century Gothic" panose="020B0502020202020204" pitchFamily="34" charset="0"/>
+                <a:ea typeface="Century Gothic" panose="020B0502020202020204" pitchFamily="34" charset="0"/>
+                <a:cs typeface="Times New Roman" panose="02020603050405020304" pitchFamily="18" charset="0"/>
+              </a:rPr>
+              <a:t>Resolve all outstanding bugs by the project deadline.</a:t>
+            </a:r>
+            <a:endParaRPr lang="en-US" dirty="0"/>
+          </a:p>
+        </p:txBody>
+      </p:sp>
+    </p:spTree>
+    <p:extLst>
+      <p:ext uri="{BB962C8B-B14F-4D97-AF65-F5344CB8AC3E}">
+        <p14:creationId xmlns:p14="http://schemas.microsoft.com/office/powerpoint/2010/main" val="3752184344"/>
+      </p:ext>
+    </p:extLst>
+  </p:cSld>
+  <p:clrMapOvr>
+    <a:masterClrMapping/>
+  </p:clrMapOvr>
+</p:sld>
+</file>
+
+<file path=ppt/slides/slide12.xml><?xml version="1.0" encoding="utf-8"?>
 <p:sld xmlns:a="http://schemas.openxmlformats.org/drawingml/2006/main" xmlns:r="http://schemas.openxmlformats.org/officeDocument/2006/relationships" xmlns:p="http://schemas.openxmlformats.org/presentationml/2006/main">
   <p:cSld>
     <p:bg>
@@ -18517,7 +19514,7 @@
     <p:bg>
       <p:bgPr>
         <a:blipFill rotWithShape="1">
-          <a:blip r:embed="rId2">
+          <a:blip r:embed="rId3">
             <a:duotone>
               <a:schemeClr val="bg2">
                 <a:shade val="28000"/>
@@ -19354,7 +20351,7 @@
     <p:bg>
       <p:bgPr>
         <a:blipFill rotWithShape="1">
-          <a:blip r:embed="rId2">
+          <a:blip r:embed="rId3">
             <a:duotone>
               <a:schemeClr val="bg2">
                 <a:shade val="28000"/>
@@ -19434,7 +20431,7 @@
           <p:nvPr/>
         </p:nvPicPr>
         <p:blipFill rotWithShape="1">
-          <a:blip r:embed="rId3"/>
+          <a:blip r:embed="rId4"/>
           <a:srcRect l="23237" r="23240" b="3"/>
           <a:stretch/>
         </p:blipFill>
@@ -19500,7 +20497,7 @@
         </p:xfrm>
         <a:graphic>
           <a:graphicData uri="http://schemas.openxmlformats.org/drawingml/2006/diagram">
-            <dgm:relIds xmlns:dgm="http://schemas.openxmlformats.org/drawingml/2006/diagram" xmlns:r="http://schemas.openxmlformats.org/officeDocument/2006/relationships" r:dm="rId4" r:lo="rId5" r:qs="rId6" r:cs="rId7"/>
+            <dgm:relIds xmlns:dgm="http://schemas.openxmlformats.org/drawingml/2006/diagram" xmlns:r="http://schemas.openxmlformats.org/officeDocument/2006/relationships" r:dm="rId5" r:lo="rId6" r:qs="rId7" r:cs="rId8"/>
           </a:graphicData>
         </a:graphic>
       </p:graphicFrame>
@@ -19523,7 +20520,7 @@
     <p:bg>
       <p:bgPr>
         <a:blipFill rotWithShape="1">
-          <a:blip r:embed="rId2">
+          <a:blip r:embed="rId3">
             <a:duotone>
               <a:schemeClr val="bg2">
                 <a:shade val="28000"/>
@@ -19572,7 +20569,7 @@
           <p:nvPr/>
         </p:nvPicPr>
         <p:blipFill rotWithShape="1">
-          <a:blip r:embed="rId3">
+          <a:blip r:embed="rId4">
             <a:alphaModFix amt="15000"/>
             <a:extLst>
               <a:ext uri="{28A0092B-C50C-407E-A947-70E740481C1C}">
@@ -19707,7 +20704,7 @@
         </p:xfrm>
         <a:graphic>
           <a:graphicData uri="http://schemas.openxmlformats.org/drawingml/2006/diagram">
-            <dgm:relIds xmlns:dgm="http://schemas.openxmlformats.org/drawingml/2006/diagram" xmlns:r="http://schemas.openxmlformats.org/officeDocument/2006/relationships" r:dm="rId4" r:lo="rId5" r:qs="rId6" r:cs="rId7"/>
+            <dgm:relIds xmlns:dgm="http://schemas.openxmlformats.org/drawingml/2006/diagram" xmlns:r="http://schemas.openxmlformats.org/officeDocument/2006/relationships" r:dm="rId5" r:lo="rId6" r:qs="rId7" r:cs="rId8"/>
           </a:graphicData>
         </a:graphic>
       </p:graphicFrame>
@@ -19730,7 +20727,7 @@
     <p:bg>
       <p:bgPr>
         <a:blipFill rotWithShape="1">
-          <a:blip r:embed="rId2">
+          <a:blip r:embed="rId3">
             <a:duotone>
               <a:schemeClr val="bg2">
                 <a:shade val="28000"/>
@@ -19779,7 +20776,7 @@
           <p:nvPr/>
         </p:nvPicPr>
         <p:blipFill rotWithShape="1">
-          <a:blip r:embed="rId3">
+          <a:blip r:embed="rId4">
             <a:extLst>
               <a:ext uri="{28A0092B-C50C-407E-A947-70E740481C1C}">
                 <a14:useLocalDpi xmlns:a14="http://schemas.microsoft.com/office/drawing/2010/main" val="0"/>
@@ -19945,151 +20942,366 @@
           <a:lstStyle/>
           <a:p>
             <a:r>
-              <a:rPr lang="en-US"/>
-              <a:t>Roles</a:t>
+              <a:rPr lang="en-US" dirty="0"/>
+              <a:t>Team Overview</a:t>
             </a:r>
           </a:p>
         </p:txBody>
       </p:sp>
-      <p:sp>
-        <p:nvSpPr>
-          <p:cNvPr id="3" name="Content Placeholder 2"/>
-          <p:cNvSpPr>
-            <a:spLocks noGrp="1"/>
-          </p:cNvSpPr>
+      <p:graphicFrame>
+        <p:nvGraphicFramePr>
+          <p:cNvPr id="10" name="Table 10">
+            <a:extLst>
+              <a:ext uri="{FF2B5EF4-FFF2-40B4-BE49-F238E27FC236}">
+                <a16:creationId xmlns:a16="http://schemas.microsoft.com/office/drawing/2014/main" id="{E194949C-106A-8780-B762-74F8459EB74C}"/>
+              </a:ext>
+            </a:extLst>
+          </p:cNvPr>
+          <p:cNvGraphicFramePr>
+            <a:graphicFrameLocks noGrp="1"/>
+          </p:cNvGraphicFramePr>
           <p:nvPr>
             <p:ph idx="1"/>
+            <p:extLst>
+              <p:ext uri="{D42A27DB-BD31-4B8C-83A1-F6EECF244321}">
+                <p14:modId xmlns:p14="http://schemas.microsoft.com/office/powerpoint/2010/main" val="4127059011"/>
+              </p:ext>
+            </p:extLst>
           </p:nvPr>
-        </p:nvSpPr>
-        <p:spPr>
-          <a:xfrm>
-            <a:off x="1329169" y="2666999"/>
-            <a:ext cx="9556612" cy="3037115"/>
-          </a:xfrm>
-        </p:spPr>
-        <p:txBody>
-          <a:bodyPr>
-            <a:normAutofit/>
-          </a:bodyPr>
-          <a:lstStyle/>
-          <a:p>
-            <a:r>
-              <a:rPr lang="en-US">
-                <a:effectLst/>
-                <a:ea typeface="Century Gothic" panose="020B0502020202020204" pitchFamily="34" charset="0"/>
-                <a:cs typeface="Times New Roman" panose="02020603050405020304" pitchFamily="18" charset="0"/>
-              </a:rPr>
-              <a:t>Jennifer Sager</a:t>
-            </a:r>
-          </a:p>
-          <a:p>
-            <a:r>
-              <a:rPr lang="en-US" err="1">
-                <a:effectLst/>
-                <a:ea typeface="Century Gothic" panose="020B0502020202020204" pitchFamily="34" charset="0"/>
-                <a:cs typeface="Times New Roman" panose="02020603050405020304" pitchFamily="18" charset="0"/>
-              </a:rPr>
-              <a:t>Priyesh</a:t>
-            </a:r>
-            <a:r>
-              <a:rPr lang="en-US">
-                <a:effectLst/>
-                <a:ea typeface="Century Gothic" panose="020B0502020202020204" pitchFamily="34" charset="0"/>
-                <a:cs typeface="Times New Roman" panose="02020603050405020304" pitchFamily="18" charset="0"/>
-              </a:rPr>
-              <a:t> Pandya</a:t>
-            </a:r>
-          </a:p>
-          <a:p>
-            <a:r>
-              <a:rPr lang="en-US" err="1">
-                <a:effectLst/>
-                <a:ea typeface="Century Gothic" panose="020B0502020202020204" pitchFamily="34" charset="0"/>
-                <a:cs typeface="Times New Roman" panose="02020603050405020304" pitchFamily="18" charset="0"/>
-              </a:rPr>
-              <a:t>Punith</a:t>
-            </a:r>
-            <a:r>
-              <a:rPr lang="en-US">
-                <a:effectLst/>
-                <a:ea typeface="Century Gothic" panose="020B0502020202020204" pitchFamily="34" charset="0"/>
-                <a:cs typeface="Times New Roman" panose="02020603050405020304" pitchFamily="18" charset="0"/>
-              </a:rPr>
-              <a:t> </a:t>
-            </a:r>
-            <a:r>
-              <a:rPr lang="en-US" err="1">
-                <a:effectLst/>
-                <a:ea typeface="Century Gothic" panose="020B0502020202020204" pitchFamily="34" charset="0"/>
-                <a:cs typeface="Times New Roman" panose="02020603050405020304" pitchFamily="18" charset="0"/>
-              </a:rPr>
-              <a:t>Agraharavalagerahalli</a:t>
-            </a:r>
-            <a:r>
-              <a:rPr lang="en-US">
-                <a:effectLst/>
-                <a:ea typeface="Century Gothic" panose="020B0502020202020204" pitchFamily="34" charset="0"/>
-                <a:cs typeface="Times New Roman" panose="02020603050405020304" pitchFamily="18" charset="0"/>
-              </a:rPr>
-              <a:t> </a:t>
-            </a:r>
-            <a:r>
-              <a:rPr lang="en-US" err="1">
-                <a:effectLst/>
-                <a:ea typeface="Century Gothic" panose="020B0502020202020204" pitchFamily="34" charset="0"/>
-                <a:cs typeface="Times New Roman" panose="02020603050405020304" pitchFamily="18" charset="0"/>
-              </a:rPr>
-              <a:t>Jayaramu</a:t>
-            </a:r>
-            <a:endParaRPr lang="en-US">
-              <a:effectLst/>
-              <a:ea typeface="Century Gothic" panose="020B0502020202020204" pitchFamily="34" charset="0"/>
-              <a:cs typeface="Times New Roman" panose="02020603050405020304" pitchFamily="18" charset="0"/>
-            </a:endParaRPr>
-          </a:p>
-          <a:p>
-            <a:r>
-              <a:rPr lang="en-US">
-                <a:effectLst/>
-                <a:ea typeface="Century Gothic" panose="020B0502020202020204" pitchFamily="34" charset="0"/>
-                <a:cs typeface="Times New Roman" panose="02020603050405020304" pitchFamily="18" charset="0"/>
-              </a:rPr>
-              <a:t>Ermin </a:t>
-            </a:r>
-            <a:r>
-              <a:rPr lang="en-US" err="1">
-                <a:effectLst/>
-                <a:ea typeface="Century Gothic" panose="020B0502020202020204" pitchFamily="34" charset="0"/>
-                <a:cs typeface="Times New Roman" panose="02020603050405020304" pitchFamily="18" charset="0"/>
-              </a:rPr>
-              <a:t>Zeherovic</a:t>
-            </a:r>
-            <a:endParaRPr lang="en-US">
-              <a:effectLst/>
-              <a:ea typeface="Century Gothic" panose="020B0502020202020204" pitchFamily="34" charset="0"/>
-              <a:cs typeface="Times New Roman" panose="02020603050405020304" pitchFamily="18" charset="0"/>
-            </a:endParaRPr>
-          </a:p>
-          <a:p>
-            <a:r>
-              <a:rPr lang="en-US">
-                <a:effectLst/>
-                <a:ea typeface="Century Gothic" panose="020B0502020202020204" pitchFamily="34" charset="0"/>
-                <a:cs typeface="Times New Roman" panose="02020603050405020304" pitchFamily="18" charset="0"/>
-              </a:rPr>
-              <a:t> Hasan Ahmad</a:t>
-            </a:r>
-            <a:r>
-              <a:rPr lang="en-US">
-                <a:ea typeface="Century Gothic" panose="020B0502020202020204" pitchFamily="34" charset="0"/>
-                <a:cs typeface="Times New Roman" panose="02020603050405020304" pitchFamily="18" charset="0"/>
-              </a:rPr>
-              <a:t> </a:t>
-            </a:r>
-            <a:endParaRPr lang="en-US" dirty="0"/>
-          </a:p>
-        </p:txBody>
-      </p:sp>
+        </p:nvGraphicFramePr>
+        <p:xfrm>
+          <a:off x="1141413" y="2667000"/>
+          <a:ext cx="9906000" cy="2225040"/>
+        </p:xfrm>
+        <a:graphic>
+          <a:graphicData uri="http://schemas.openxmlformats.org/drawingml/2006/table">
+            <a:tbl>
+              <a:tblPr firstRow="1" bandRow="1">
+                <a:tableStyleId>{073A0DAA-6AF3-43AB-8588-CEC1D06C72B9}</a:tableStyleId>
+              </a:tblPr>
+              <a:tblGrid>
+                <a:gridCol w="4953000">
+                  <a:extLst>
+                    <a:ext uri="{9D8B030D-6E8A-4147-A177-3AD203B41FA5}">
+                      <a16:colId xmlns:a16="http://schemas.microsoft.com/office/drawing/2014/main" val="4260778948"/>
+                    </a:ext>
+                  </a:extLst>
+                </a:gridCol>
+                <a:gridCol w="4953000">
+                  <a:extLst>
+                    <a:ext uri="{9D8B030D-6E8A-4147-A177-3AD203B41FA5}">
+                      <a16:colId xmlns:a16="http://schemas.microsoft.com/office/drawing/2014/main" val="2107365995"/>
+                    </a:ext>
+                  </a:extLst>
+                </a:gridCol>
+              </a:tblGrid>
+              <a:tr h="370840">
+                <a:tc>
+                  <a:txBody>
+                    <a:bodyPr/>
+                    <a:lstStyle/>
+                    <a:p>
+                      <a:r>
+                        <a:rPr lang="en-US" dirty="0"/>
+                        <a:t>Name </a:t>
+                      </a:r>
+                    </a:p>
+                  </a:txBody>
+                  <a:tcPr/>
+                </a:tc>
+                <a:tc>
+                  <a:txBody>
+                    <a:bodyPr/>
+                    <a:lstStyle/>
+                    <a:p>
+                      <a:r>
+                        <a:rPr lang="en-US" dirty="0"/>
+                        <a:t>Role</a:t>
+                      </a:r>
+                    </a:p>
+                  </a:txBody>
+                  <a:tcPr/>
+                </a:tc>
+                <a:extLst>
+                  <a:ext uri="{0D108BD9-81ED-4DB2-BD59-A6C34878D82A}">
+                    <a16:rowId xmlns:a16="http://schemas.microsoft.com/office/drawing/2014/main" val="3012669969"/>
+                  </a:ext>
+                </a:extLst>
+              </a:tr>
+              <a:tr h="370840">
+                <a:tc>
+                  <a:txBody>
+                    <a:bodyPr/>
+                    <a:lstStyle/>
+                    <a:p>
+                      <a:r>
+                        <a:rPr lang="en-US" sz="1800" kern="1200" dirty="0" err="1">
+                          <a:solidFill>
+                            <a:schemeClr val="dk1"/>
+                          </a:solidFill>
+                          <a:effectLst/>
+                        </a:rPr>
+                        <a:t>Priyesh</a:t>
+                      </a:r>
+                      <a:r>
+                        <a:rPr lang="en-US" sz="1800" kern="1200" dirty="0">
+                          <a:solidFill>
+                            <a:schemeClr val="dk1"/>
+                          </a:solidFill>
+                          <a:effectLst/>
+                        </a:rPr>
+                        <a:t> Pandya</a:t>
+                      </a:r>
+                      <a:endParaRPr lang="en-US" dirty="0"/>
+                    </a:p>
+                  </a:txBody>
+                  <a:tcPr/>
+                </a:tc>
+                <a:tc>
+                  <a:txBody>
+                    <a:bodyPr/>
+                    <a:lstStyle/>
+                    <a:p>
+                      <a:r>
+                        <a:rPr lang="en-US" sz="1800" kern="1200" dirty="0">
+                          <a:solidFill>
+                            <a:schemeClr val="dk1"/>
+                          </a:solidFill>
+                          <a:effectLst/>
+                        </a:rPr>
+                        <a:t>Technical Product Manager</a:t>
+                      </a:r>
+                      <a:endParaRPr lang="en-US" dirty="0"/>
+                    </a:p>
+                  </a:txBody>
+                  <a:tcPr/>
+                </a:tc>
+                <a:extLst>
+                  <a:ext uri="{0D108BD9-81ED-4DB2-BD59-A6C34878D82A}">
+                    <a16:rowId xmlns:a16="http://schemas.microsoft.com/office/drawing/2014/main" val="1948980717"/>
+                  </a:ext>
+                </a:extLst>
+              </a:tr>
+              <a:tr h="370840">
+                <a:tc>
+                  <a:txBody>
+                    <a:bodyPr/>
+                    <a:lstStyle/>
+                    <a:p>
+                      <a:r>
+                        <a:rPr lang="en-US" sz="1800" kern="1200" dirty="0" err="1">
+                          <a:solidFill>
+                            <a:schemeClr val="dk1"/>
+                          </a:solidFill>
+                          <a:effectLst/>
+                        </a:rPr>
+                        <a:t>Punith</a:t>
+                      </a:r>
+                      <a:r>
+                        <a:rPr lang="en-US" sz="1800" kern="1200" dirty="0">
+                          <a:solidFill>
+                            <a:schemeClr val="dk1"/>
+                          </a:solidFill>
+                          <a:effectLst/>
+                        </a:rPr>
+                        <a:t> </a:t>
+                      </a:r>
+                      <a:r>
+                        <a:rPr lang="en-US" sz="1800" kern="1200" dirty="0" err="1">
+                          <a:solidFill>
+                            <a:schemeClr val="dk1"/>
+                          </a:solidFill>
+                          <a:effectLst/>
+                        </a:rPr>
+                        <a:t>Agraharavalagerahalli</a:t>
+                      </a:r>
+                      <a:r>
+                        <a:rPr lang="en-US" sz="1800" kern="1200" dirty="0">
+                          <a:solidFill>
+                            <a:schemeClr val="dk1"/>
+                          </a:solidFill>
+                          <a:effectLst/>
+                        </a:rPr>
+                        <a:t> </a:t>
+                      </a:r>
+                      <a:r>
+                        <a:rPr lang="en-US" sz="1800" kern="1200" dirty="0" err="1">
+                          <a:solidFill>
+                            <a:schemeClr val="dk1"/>
+                          </a:solidFill>
+                          <a:effectLst/>
+                        </a:rPr>
+                        <a:t>Jayaramu</a:t>
+                      </a:r>
+                      <a:endParaRPr lang="en-US" dirty="0"/>
+                    </a:p>
+                  </a:txBody>
+                  <a:tcPr/>
+                </a:tc>
+                <a:tc>
+                  <a:txBody>
+                    <a:bodyPr/>
+                    <a:lstStyle/>
+                    <a:p>
+                      <a:r>
+                        <a:rPr lang="en-US" sz="1800" kern="1200" dirty="0">
+                          <a:solidFill>
+                            <a:schemeClr val="dk1"/>
+                          </a:solidFill>
+                          <a:effectLst/>
+                        </a:rPr>
+                        <a:t>Software Architect</a:t>
+                      </a:r>
+                      <a:endParaRPr lang="en-US" dirty="0"/>
+                    </a:p>
+                  </a:txBody>
+                  <a:tcPr/>
+                </a:tc>
+                <a:extLst>
+                  <a:ext uri="{0D108BD9-81ED-4DB2-BD59-A6C34878D82A}">
+                    <a16:rowId xmlns:a16="http://schemas.microsoft.com/office/drawing/2014/main" val="3855751345"/>
+                  </a:ext>
+                </a:extLst>
+              </a:tr>
+              <a:tr h="370840">
+                <a:tc>
+                  <a:txBody>
+                    <a:bodyPr/>
+                    <a:lstStyle/>
+                    <a:p>
+                      <a:r>
+                        <a:rPr lang="en-US" sz="1800" kern="1200" dirty="0">
+                          <a:solidFill>
+                            <a:schemeClr val="dk1"/>
+                          </a:solidFill>
+                          <a:effectLst/>
+                        </a:rPr>
+                        <a:t>Hasan Ahmad</a:t>
+                      </a:r>
+                      <a:endParaRPr lang="en-US" dirty="0"/>
+                    </a:p>
+                  </a:txBody>
+                  <a:tcPr/>
+                </a:tc>
+                <a:tc>
+                  <a:txBody>
+                    <a:bodyPr/>
+                    <a:lstStyle/>
+                    <a:p>
+                      <a:r>
+                        <a:rPr lang="en-US" sz="1800" kern="1200" dirty="0">
+                          <a:solidFill>
+                            <a:schemeClr val="dk1"/>
+                          </a:solidFill>
+                          <a:effectLst/>
+                        </a:rPr>
+                        <a:t>Software Engineer</a:t>
+                      </a:r>
+                      <a:endParaRPr lang="en-US" dirty="0"/>
+                    </a:p>
+                  </a:txBody>
+                  <a:tcPr/>
+                </a:tc>
+                <a:extLst>
+                  <a:ext uri="{0D108BD9-81ED-4DB2-BD59-A6C34878D82A}">
+                    <a16:rowId xmlns:a16="http://schemas.microsoft.com/office/drawing/2014/main" val="3056337546"/>
+                  </a:ext>
+                </a:extLst>
+              </a:tr>
+              <a:tr h="370840">
+                <a:tc>
+                  <a:txBody>
+                    <a:bodyPr/>
+                    <a:lstStyle/>
+                    <a:p>
+                      <a:r>
+                        <a:rPr lang="en-US" sz="1800" kern="1200" dirty="0">
+                          <a:solidFill>
+                            <a:schemeClr val="dk1"/>
+                          </a:solidFill>
+                          <a:effectLst/>
+                        </a:rPr>
+                        <a:t>Ermin Zeherovic</a:t>
+                      </a:r>
+                      <a:endParaRPr lang="en-US" dirty="0"/>
+                    </a:p>
+                  </a:txBody>
+                  <a:tcPr/>
+                </a:tc>
+                <a:tc>
+                  <a:txBody>
+                    <a:bodyPr/>
+                    <a:lstStyle/>
+                    <a:p>
+                      <a:r>
+                        <a:rPr lang="en-US" sz="1800" kern="1200" dirty="0">
+                          <a:solidFill>
+                            <a:schemeClr val="dk1"/>
+                          </a:solidFill>
+                          <a:effectLst/>
+                        </a:rPr>
+                        <a:t>Software Engineer</a:t>
+                      </a:r>
+                      <a:endParaRPr lang="en-US" dirty="0"/>
+                    </a:p>
+                  </a:txBody>
+                  <a:tcPr/>
+                </a:tc>
+                <a:extLst>
+                  <a:ext uri="{0D108BD9-81ED-4DB2-BD59-A6C34878D82A}">
+                    <a16:rowId xmlns:a16="http://schemas.microsoft.com/office/drawing/2014/main" val="728520754"/>
+                  </a:ext>
+                </a:extLst>
+              </a:tr>
+              <a:tr h="370840">
+                <a:tc>
+                  <a:txBody>
+                    <a:bodyPr/>
+                    <a:lstStyle/>
+                    <a:p>
+                      <a:r>
+                        <a:rPr lang="en-US" sz="1800" kern="1200" dirty="0">
+                          <a:solidFill>
+                            <a:schemeClr val="dk1"/>
+                          </a:solidFill>
+                          <a:effectLst/>
+                        </a:rPr>
+                        <a:t>Jennifer Sager</a:t>
+                      </a:r>
+                      <a:endParaRPr lang="en-US" dirty="0"/>
+                    </a:p>
+                  </a:txBody>
+                  <a:tcPr/>
+                </a:tc>
+                <a:tc>
+                  <a:txBody>
+                    <a:bodyPr/>
+                    <a:lstStyle/>
+                    <a:p>
+                      <a:r>
+                        <a:rPr lang="en-US" sz="1800" kern="1200" dirty="0">
+                          <a:solidFill>
+                            <a:schemeClr val="dk1"/>
+                          </a:solidFill>
+                          <a:effectLst/>
+                        </a:rPr>
+                        <a:t>Software Engineer</a:t>
+                      </a:r>
+                      <a:endParaRPr lang="en-US" dirty="0"/>
+                    </a:p>
+                  </a:txBody>
+                  <a:tcPr/>
+                </a:tc>
+                <a:extLst>
+                  <a:ext uri="{0D108BD9-81ED-4DB2-BD59-A6C34878D82A}">
+                    <a16:rowId xmlns:a16="http://schemas.microsoft.com/office/drawing/2014/main" val="3896993740"/>
+                  </a:ext>
+                </a:extLst>
+              </a:tr>
+            </a:tbl>
+          </a:graphicData>
+        </a:graphic>
+      </p:graphicFrame>
     </p:spTree>
     <p:extLst>
       <p:ext uri="{BB962C8B-B14F-4D97-AF65-F5344CB8AC3E}">
@@ -20316,7 +21528,7 @@
     <p:bg>
       <p:bgPr>
         <a:blipFill rotWithShape="1">
-          <a:blip r:embed="rId2">
+          <a:blip r:embed="rId3">
             <a:duotone>
               <a:schemeClr val="bg2">
                 <a:shade val="28000"/>
@@ -20404,7 +21616,7 @@
           <p:nvPr/>
         </p:nvPicPr>
         <p:blipFill rotWithShape="1">
-          <a:blip r:embed="rId3">
+          <a:blip r:embed="rId4">
             <a:extLst>
               <a:ext uri="{28A0092B-C50C-407E-A947-70E740481C1C}">
                 <a14:useLocalDpi xmlns:a14="http://schemas.microsoft.com/office/drawing/2010/main" val="0"/>
@@ -20617,7 +21829,7 @@
     <p:bg>
       <p:bgPr>
         <a:blipFill rotWithShape="1">
-          <a:blip r:embed="rId2">
+          <a:blip r:embed="rId3">
             <a:duotone>
               <a:schemeClr val="bg2">
                 <a:shade val="28000"/>
@@ -20666,7 +21878,7 @@
           <p:nvPr/>
         </p:nvPicPr>
         <p:blipFill rotWithShape="1">
-          <a:blip r:embed="rId3">
+          <a:blip r:embed="rId4">
             <a:alphaModFix amt="15000"/>
           </a:blip>
           <a:srcRect t="8537"/>
@@ -20694,7 +21906,7 @@
         </p:nvSpPr>
         <p:spPr>
           <a:xfrm>
-            <a:off x="1141413" y="609600"/>
+            <a:off x="1141413" y="-288790"/>
             <a:ext cx="9905998" cy="1905000"/>
           </a:xfrm>
         </p:spPr>
@@ -20705,8 +21917,8 @@
           <a:lstStyle/>
           <a:p>
             <a:r>
-              <a:rPr lang="en-US"/>
-              <a:t>Project Outcomes</a:t>
+              <a:rPr lang="en-US" dirty="0"/>
+              <a:t>Project Outcomes and Goals</a:t>
             </a:r>
           </a:p>
         </p:txBody>
@@ -20723,13 +21935,13 @@
         </p:nvSpPr>
         <p:spPr>
           <a:xfrm>
-            <a:off x="1141413" y="2666999"/>
-            <a:ext cx="9905998" cy="3124201"/>
+            <a:off x="1129952" y="1379598"/>
+            <a:ext cx="9905998" cy="2209801"/>
           </a:xfrm>
         </p:spPr>
         <p:txBody>
           <a:bodyPr>
-            <a:normAutofit/>
+            <a:normAutofit lnSpcReduction="10000"/>
           </a:bodyPr>
           <a:lstStyle/>
           <a:p>
@@ -20765,6 +21977,622 @@
           <a:p>
             <a:endParaRPr lang="en-US" dirty="0"/>
           </a:p>
+          <a:p>
+            <a:endParaRPr lang="en-US" dirty="0"/>
+          </a:p>
+        </p:txBody>
+      </p:sp>
+      <p:sp>
+        <p:nvSpPr>
+          <p:cNvPr id="4" name="Title 1">
+            <a:extLst>
+              <a:ext uri="{FF2B5EF4-FFF2-40B4-BE49-F238E27FC236}">
+                <a16:creationId xmlns:a16="http://schemas.microsoft.com/office/drawing/2014/main" id="{3B3A9450-709B-8771-C7DC-C89BC8100EC1}"/>
+              </a:ext>
+            </a:extLst>
+          </p:cNvPr>
+          <p:cNvSpPr txBox="1">
+            <a:spLocks/>
+          </p:cNvSpPr>
+          <p:nvPr/>
+        </p:nvSpPr>
+        <p:spPr>
+          <a:xfrm>
+            <a:off x="1156050" y="2636899"/>
+            <a:ext cx="9905998" cy="1905000"/>
+          </a:xfrm>
+          <a:prstGeom prst="rect">
+            <a:avLst/>
+          </a:prstGeom>
+        </p:spPr>
+        <p:txBody>
+          <a:bodyPr vert="horz" lIns="91440" tIns="45720" rIns="91440" bIns="45720" rtlCol="0" anchor="ctr">
+            <a:normAutofit/>
+          </a:bodyPr>
+          <a:lstStyle>
+            <a:lvl1pPr algn="l" defTabSz="457200" rtl="0" eaLnBrk="1" latinLnBrk="0" hangingPunct="1">
+              <a:spcBef>
+                <a:spcPct val="0"/>
+              </a:spcBef>
+              <a:buNone/>
+              <a:defRPr sz="3200" kern="1200" cap="all">
+                <a:ln w="3175" cmpd="sng">
+                  <a:noFill/>
+                </a:ln>
+                <a:gradFill flip="none" rotWithShape="1">
+                  <a:gsLst>
+                    <a:gs pos="0">
+                      <a:schemeClr val="tx1"/>
+                    </a:gs>
+                    <a:gs pos="100000">
+                      <a:schemeClr val="tx1">
+                        <a:lumMod val="65000"/>
+                      </a:schemeClr>
+                    </a:gs>
+                  </a:gsLst>
+                  <a:lin ang="5580000" scaled="0"/>
+                  <a:tileRect/>
+                </a:gradFill>
+                <a:effectLst>
+                  <a:glow rad="38100">
+                    <a:schemeClr val="bg1">
+                      <a:lumMod val="65000"/>
+                      <a:lumOff val="35000"/>
+                      <a:alpha val="40000"/>
+                    </a:schemeClr>
+                  </a:glow>
+                  <a:outerShdw blurRad="28575" dist="38100" dir="14040000" algn="tl" rotWithShape="0">
+                    <a:srgbClr val="000000">
+                      <a:alpha val="25000"/>
+                    </a:srgbClr>
+                  </a:outerShdw>
+                </a:effectLst>
+                <a:latin typeface="+mj-lt"/>
+                <a:ea typeface="+mj-ea"/>
+                <a:cs typeface="+mj-cs"/>
+              </a:defRPr>
+            </a:lvl1pPr>
+            <a:lvl2pPr eaLnBrk="1" hangingPunct="1">
+              <a:defRPr>
+                <a:solidFill>
+                  <a:schemeClr val="tx2"/>
+                </a:solidFill>
+              </a:defRPr>
+            </a:lvl2pPr>
+            <a:lvl3pPr eaLnBrk="1" hangingPunct="1">
+              <a:defRPr>
+                <a:solidFill>
+                  <a:schemeClr val="tx2"/>
+                </a:solidFill>
+              </a:defRPr>
+            </a:lvl3pPr>
+            <a:lvl4pPr eaLnBrk="1" hangingPunct="1">
+              <a:defRPr>
+                <a:solidFill>
+                  <a:schemeClr val="tx2"/>
+                </a:solidFill>
+              </a:defRPr>
+            </a:lvl4pPr>
+            <a:lvl5pPr eaLnBrk="1" hangingPunct="1">
+              <a:defRPr>
+                <a:solidFill>
+                  <a:schemeClr val="tx2"/>
+                </a:solidFill>
+              </a:defRPr>
+            </a:lvl5pPr>
+            <a:lvl6pPr eaLnBrk="1" hangingPunct="1">
+              <a:defRPr>
+                <a:solidFill>
+                  <a:schemeClr val="tx2"/>
+                </a:solidFill>
+              </a:defRPr>
+            </a:lvl6pPr>
+            <a:lvl7pPr eaLnBrk="1" hangingPunct="1">
+              <a:defRPr>
+                <a:solidFill>
+                  <a:schemeClr val="tx2"/>
+                </a:solidFill>
+              </a:defRPr>
+            </a:lvl7pPr>
+            <a:lvl8pPr eaLnBrk="1" hangingPunct="1">
+              <a:defRPr>
+                <a:solidFill>
+                  <a:schemeClr val="tx2"/>
+                </a:solidFill>
+              </a:defRPr>
+            </a:lvl8pPr>
+            <a:lvl9pPr eaLnBrk="1" hangingPunct="1">
+              <a:defRPr>
+                <a:solidFill>
+                  <a:schemeClr val="tx2"/>
+                </a:solidFill>
+              </a:defRPr>
+            </a:lvl9pPr>
+          </a:lstStyle>
+          <a:p>
+            <a:r>
+              <a:rPr lang="en-US" dirty="0"/>
+              <a:t>Goals Achieved</a:t>
+            </a:r>
+          </a:p>
+        </p:txBody>
+      </p:sp>
+      <p:sp>
+        <p:nvSpPr>
+          <p:cNvPr id="5" name="Content Placeholder 2">
+            <a:extLst>
+              <a:ext uri="{FF2B5EF4-FFF2-40B4-BE49-F238E27FC236}">
+                <a16:creationId xmlns:a16="http://schemas.microsoft.com/office/drawing/2014/main" id="{666AA84F-E23E-C148-1561-4553799BBC8F}"/>
+              </a:ext>
+            </a:extLst>
+          </p:cNvPr>
+          <p:cNvSpPr txBox="1">
+            <a:spLocks/>
+          </p:cNvSpPr>
+          <p:nvPr/>
+        </p:nvSpPr>
+        <p:spPr>
+          <a:xfrm>
+            <a:off x="1156050" y="3878199"/>
+            <a:ext cx="9905998" cy="2209801"/>
+          </a:xfrm>
+          <a:prstGeom prst="rect">
+            <a:avLst/>
+          </a:prstGeom>
+        </p:spPr>
+        <p:txBody>
+          <a:bodyPr vert="horz" lIns="91440" tIns="45720" rIns="91440" bIns="45720" rtlCol="0" anchor="ctr">
+            <a:normAutofit/>
+          </a:bodyPr>
+          <a:lstStyle>
+            <a:lvl1pPr marL="285750" indent="-285750" algn="l" defTabSz="457200" rtl="0" eaLnBrk="1" latinLnBrk="0" hangingPunct="1">
+              <a:spcBef>
+                <a:spcPct val="20000"/>
+              </a:spcBef>
+              <a:spcAft>
+                <a:spcPts val="600"/>
+              </a:spcAft>
+              <a:buClr>
+                <a:schemeClr val="tx1"/>
+              </a:buClr>
+              <a:buSzPct val="100000"/>
+              <a:buFont typeface="Arial"/>
+              <a:buChar char="•"/>
+              <a:defRPr sz="2000" kern="1200" cap="small">
+                <a:gradFill flip="none" rotWithShape="1">
+                  <a:gsLst>
+                    <a:gs pos="0">
+                      <a:schemeClr val="tx1"/>
+                    </a:gs>
+                    <a:gs pos="100000">
+                      <a:schemeClr val="tx1">
+                        <a:lumMod val="75000"/>
+                      </a:schemeClr>
+                    </a:gs>
+                  </a:gsLst>
+                  <a:lin ang="5580000" scaled="0"/>
+                  <a:tileRect/>
+                </a:gradFill>
+                <a:effectLst>
+                  <a:glow rad="38100">
+                    <a:schemeClr val="bg1">
+                      <a:lumMod val="50000"/>
+                      <a:lumOff val="50000"/>
+                      <a:alpha val="20000"/>
+                    </a:schemeClr>
+                  </a:glow>
+                  <a:outerShdw blurRad="44450" dist="12700" dir="13860000" algn="tl" rotWithShape="0">
+                    <a:srgbClr val="000000">
+                      <a:alpha val="20000"/>
+                    </a:srgbClr>
+                  </a:outerShdw>
+                </a:effectLst>
+                <a:latin typeface="+mn-lt"/>
+                <a:ea typeface="+mn-ea"/>
+                <a:cs typeface="+mn-cs"/>
+              </a:defRPr>
+            </a:lvl1pPr>
+            <a:lvl2pPr marL="742950" indent="-285750" algn="l" defTabSz="457200" rtl="0" eaLnBrk="1" latinLnBrk="0" hangingPunct="1">
+              <a:spcBef>
+                <a:spcPct val="20000"/>
+              </a:spcBef>
+              <a:spcAft>
+                <a:spcPts val="600"/>
+              </a:spcAft>
+              <a:buClr>
+                <a:schemeClr val="tx1"/>
+              </a:buClr>
+              <a:buSzPct val="100000"/>
+              <a:buFont typeface="Arial"/>
+              <a:buChar char="•"/>
+              <a:defRPr sz="1800" kern="1200" cap="small">
+                <a:gradFill flip="none" rotWithShape="1">
+                  <a:gsLst>
+                    <a:gs pos="0">
+                      <a:schemeClr val="tx1"/>
+                    </a:gs>
+                    <a:gs pos="100000">
+                      <a:schemeClr val="tx1">
+                        <a:lumMod val="75000"/>
+                      </a:schemeClr>
+                    </a:gs>
+                  </a:gsLst>
+                  <a:lin ang="5580000" scaled="0"/>
+                  <a:tileRect/>
+                </a:gradFill>
+                <a:effectLst>
+                  <a:glow rad="38100">
+                    <a:schemeClr val="bg1">
+                      <a:lumMod val="50000"/>
+                      <a:lumOff val="50000"/>
+                      <a:alpha val="20000"/>
+                    </a:schemeClr>
+                  </a:glow>
+                  <a:outerShdw blurRad="44450" dist="12700" dir="13860000" algn="tl" rotWithShape="0">
+                    <a:srgbClr val="000000">
+                      <a:alpha val="20000"/>
+                    </a:srgbClr>
+                  </a:outerShdw>
+                </a:effectLst>
+                <a:latin typeface="+mn-lt"/>
+                <a:ea typeface="+mn-ea"/>
+                <a:cs typeface="+mn-cs"/>
+              </a:defRPr>
+            </a:lvl2pPr>
+            <a:lvl3pPr marL="1200150" indent="-285750" algn="l" defTabSz="457200" rtl="0" eaLnBrk="1" latinLnBrk="0" hangingPunct="1">
+              <a:spcBef>
+                <a:spcPct val="20000"/>
+              </a:spcBef>
+              <a:spcAft>
+                <a:spcPts val="600"/>
+              </a:spcAft>
+              <a:buClr>
+                <a:schemeClr val="tx1"/>
+              </a:buClr>
+              <a:buSzPct val="100000"/>
+              <a:buFont typeface="Arial"/>
+              <a:buChar char="•"/>
+              <a:defRPr sz="1600" kern="1200" cap="small">
+                <a:gradFill flip="none" rotWithShape="1">
+                  <a:gsLst>
+                    <a:gs pos="0">
+                      <a:schemeClr val="tx1"/>
+                    </a:gs>
+                    <a:gs pos="100000">
+                      <a:schemeClr val="tx1">
+                        <a:lumMod val="75000"/>
+                      </a:schemeClr>
+                    </a:gs>
+                  </a:gsLst>
+                  <a:lin ang="5580000" scaled="0"/>
+                  <a:tileRect/>
+                </a:gradFill>
+                <a:effectLst>
+                  <a:glow rad="38100">
+                    <a:schemeClr val="bg1">
+                      <a:lumMod val="50000"/>
+                      <a:lumOff val="50000"/>
+                      <a:alpha val="20000"/>
+                    </a:schemeClr>
+                  </a:glow>
+                  <a:outerShdw blurRad="44450" dist="12700" dir="13860000" algn="tl" rotWithShape="0">
+                    <a:srgbClr val="000000">
+                      <a:alpha val="20000"/>
+                    </a:srgbClr>
+                  </a:outerShdw>
+                </a:effectLst>
+                <a:latin typeface="+mn-lt"/>
+                <a:ea typeface="+mn-ea"/>
+                <a:cs typeface="+mn-cs"/>
+              </a:defRPr>
+            </a:lvl3pPr>
+            <a:lvl4pPr marL="1543050" indent="-171450" algn="l" defTabSz="457200" rtl="0" eaLnBrk="1" latinLnBrk="0" hangingPunct="1">
+              <a:spcBef>
+                <a:spcPct val="20000"/>
+              </a:spcBef>
+              <a:spcAft>
+                <a:spcPts val="600"/>
+              </a:spcAft>
+              <a:buClr>
+                <a:schemeClr val="tx1"/>
+              </a:buClr>
+              <a:buSzPct val="100000"/>
+              <a:buFont typeface="Arial"/>
+              <a:buChar char="•"/>
+              <a:defRPr sz="1400" kern="1200" cap="small">
+                <a:gradFill flip="none" rotWithShape="1">
+                  <a:gsLst>
+                    <a:gs pos="0">
+                      <a:schemeClr val="tx1"/>
+                    </a:gs>
+                    <a:gs pos="100000">
+                      <a:schemeClr val="tx1">
+                        <a:lumMod val="75000"/>
+                      </a:schemeClr>
+                    </a:gs>
+                  </a:gsLst>
+                  <a:lin ang="5580000" scaled="0"/>
+                  <a:tileRect/>
+                </a:gradFill>
+                <a:effectLst>
+                  <a:glow rad="38100">
+                    <a:schemeClr val="bg1">
+                      <a:lumMod val="50000"/>
+                      <a:lumOff val="50000"/>
+                      <a:alpha val="20000"/>
+                    </a:schemeClr>
+                  </a:glow>
+                  <a:outerShdw blurRad="44450" dist="12700" dir="13860000" algn="tl" rotWithShape="0">
+                    <a:srgbClr val="000000">
+                      <a:alpha val="20000"/>
+                    </a:srgbClr>
+                  </a:outerShdw>
+                </a:effectLst>
+                <a:latin typeface="+mn-lt"/>
+                <a:ea typeface="+mn-ea"/>
+                <a:cs typeface="+mn-cs"/>
+              </a:defRPr>
+            </a:lvl4pPr>
+            <a:lvl5pPr marL="2000250" indent="-171450" algn="l" defTabSz="457200" rtl="0" eaLnBrk="1" latinLnBrk="0" hangingPunct="1">
+              <a:spcBef>
+                <a:spcPct val="20000"/>
+              </a:spcBef>
+              <a:spcAft>
+                <a:spcPts val="600"/>
+              </a:spcAft>
+              <a:buClr>
+                <a:schemeClr val="tx1"/>
+              </a:buClr>
+              <a:buSzPct val="100000"/>
+              <a:buFont typeface="Arial"/>
+              <a:buChar char="•"/>
+              <a:defRPr sz="1400" kern="1200" cap="small">
+                <a:gradFill flip="none" rotWithShape="1">
+                  <a:gsLst>
+                    <a:gs pos="0">
+                      <a:schemeClr val="tx1"/>
+                    </a:gs>
+                    <a:gs pos="100000">
+                      <a:schemeClr val="tx1">
+                        <a:lumMod val="75000"/>
+                      </a:schemeClr>
+                    </a:gs>
+                  </a:gsLst>
+                  <a:lin ang="5580000" scaled="0"/>
+                  <a:tileRect/>
+                </a:gradFill>
+                <a:effectLst>
+                  <a:glow rad="38100">
+                    <a:schemeClr val="bg1">
+                      <a:lumMod val="50000"/>
+                      <a:lumOff val="50000"/>
+                      <a:alpha val="20000"/>
+                    </a:schemeClr>
+                  </a:glow>
+                  <a:outerShdw blurRad="44450" dist="12700" dir="13860000" algn="tl" rotWithShape="0">
+                    <a:srgbClr val="000000">
+                      <a:alpha val="20000"/>
+                    </a:srgbClr>
+                  </a:outerShdw>
+                </a:effectLst>
+                <a:latin typeface="+mn-lt"/>
+                <a:ea typeface="+mn-ea"/>
+                <a:cs typeface="+mn-cs"/>
+              </a:defRPr>
+            </a:lvl5pPr>
+            <a:lvl6pPr marL="2514600" indent="-228600" algn="l" defTabSz="457200" rtl="0" eaLnBrk="1" latinLnBrk="0" hangingPunct="1">
+              <a:spcBef>
+                <a:spcPct val="20000"/>
+              </a:spcBef>
+              <a:spcAft>
+                <a:spcPts val="600"/>
+              </a:spcAft>
+              <a:buClr>
+                <a:schemeClr val="tx1"/>
+              </a:buClr>
+              <a:buSzPct val="100000"/>
+              <a:buFont typeface="Arial"/>
+              <a:buChar char="•"/>
+              <a:defRPr sz="1200" kern="1200" cap="small">
+                <a:gradFill flip="none" rotWithShape="1">
+                  <a:gsLst>
+                    <a:gs pos="0">
+                      <a:schemeClr val="tx1"/>
+                    </a:gs>
+                    <a:gs pos="100000">
+                      <a:schemeClr val="tx1">
+                        <a:lumMod val="75000"/>
+                      </a:schemeClr>
+                    </a:gs>
+                  </a:gsLst>
+                  <a:lin ang="5580000" scaled="0"/>
+                  <a:tileRect/>
+                </a:gradFill>
+                <a:effectLst>
+                  <a:glow rad="38100">
+                    <a:schemeClr val="bg1">
+                      <a:lumMod val="50000"/>
+                      <a:lumOff val="50000"/>
+                      <a:alpha val="20000"/>
+                    </a:schemeClr>
+                  </a:glow>
+                  <a:outerShdw blurRad="44450" dist="12700" dir="13860000" algn="tl" rotWithShape="0">
+                    <a:srgbClr val="000000">
+                      <a:alpha val="20000"/>
+                    </a:srgbClr>
+                  </a:outerShdw>
+                </a:effectLst>
+                <a:latin typeface="+mn-lt"/>
+                <a:ea typeface="+mn-ea"/>
+                <a:cs typeface="+mn-cs"/>
+              </a:defRPr>
+            </a:lvl6pPr>
+            <a:lvl7pPr marL="2971800" indent="-228600" algn="l" defTabSz="457200" rtl="0" eaLnBrk="1" latinLnBrk="0" hangingPunct="1">
+              <a:spcBef>
+                <a:spcPct val="20000"/>
+              </a:spcBef>
+              <a:spcAft>
+                <a:spcPts val="600"/>
+              </a:spcAft>
+              <a:buClr>
+                <a:schemeClr val="tx1"/>
+              </a:buClr>
+              <a:buSzPct val="100000"/>
+              <a:buFont typeface="Arial"/>
+              <a:buChar char="•"/>
+              <a:defRPr sz="1200" kern="1200" cap="small">
+                <a:gradFill flip="none" rotWithShape="1">
+                  <a:gsLst>
+                    <a:gs pos="0">
+                      <a:schemeClr val="tx1"/>
+                    </a:gs>
+                    <a:gs pos="100000">
+                      <a:schemeClr val="tx1">
+                        <a:lumMod val="75000"/>
+                      </a:schemeClr>
+                    </a:gs>
+                  </a:gsLst>
+                  <a:lin ang="5580000" scaled="0"/>
+                  <a:tileRect/>
+                </a:gradFill>
+                <a:effectLst>
+                  <a:glow rad="38100">
+                    <a:schemeClr val="bg1">
+                      <a:lumMod val="50000"/>
+                      <a:lumOff val="50000"/>
+                      <a:alpha val="20000"/>
+                    </a:schemeClr>
+                  </a:glow>
+                  <a:outerShdw blurRad="44450" dist="12700" dir="13860000" algn="tl" rotWithShape="0">
+                    <a:srgbClr val="000000">
+                      <a:alpha val="20000"/>
+                    </a:srgbClr>
+                  </a:outerShdw>
+                </a:effectLst>
+                <a:latin typeface="+mn-lt"/>
+                <a:ea typeface="+mn-ea"/>
+                <a:cs typeface="+mn-cs"/>
+              </a:defRPr>
+            </a:lvl7pPr>
+            <a:lvl8pPr marL="3429000" indent="-228600" algn="l" defTabSz="457200" rtl="0" eaLnBrk="1" latinLnBrk="0" hangingPunct="1">
+              <a:spcBef>
+                <a:spcPct val="20000"/>
+              </a:spcBef>
+              <a:spcAft>
+                <a:spcPts val="600"/>
+              </a:spcAft>
+              <a:buClr>
+                <a:schemeClr val="tx1"/>
+              </a:buClr>
+              <a:buSzPct val="100000"/>
+              <a:buFont typeface="Arial"/>
+              <a:buChar char="•"/>
+              <a:defRPr sz="1200" kern="1200" cap="small">
+                <a:gradFill flip="none" rotWithShape="1">
+                  <a:gsLst>
+                    <a:gs pos="0">
+                      <a:schemeClr val="tx1"/>
+                    </a:gs>
+                    <a:gs pos="100000">
+                      <a:schemeClr val="tx1">
+                        <a:lumMod val="75000"/>
+                      </a:schemeClr>
+                    </a:gs>
+                  </a:gsLst>
+                  <a:lin ang="5580000" scaled="0"/>
+                  <a:tileRect/>
+                </a:gradFill>
+                <a:effectLst>
+                  <a:glow rad="38100">
+                    <a:schemeClr val="bg1">
+                      <a:lumMod val="50000"/>
+                      <a:lumOff val="50000"/>
+                      <a:alpha val="20000"/>
+                    </a:schemeClr>
+                  </a:glow>
+                  <a:outerShdw blurRad="44450" dist="12700" dir="13860000" algn="tl" rotWithShape="0">
+                    <a:srgbClr val="000000">
+                      <a:alpha val="20000"/>
+                    </a:srgbClr>
+                  </a:outerShdw>
+                </a:effectLst>
+                <a:latin typeface="+mn-lt"/>
+                <a:ea typeface="+mn-ea"/>
+                <a:cs typeface="+mn-cs"/>
+              </a:defRPr>
+            </a:lvl8pPr>
+            <a:lvl9pPr marL="3886200" indent="-228600" algn="l" defTabSz="457200" rtl="0" eaLnBrk="1" latinLnBrk="0" hangingPunct="1">
+              <a:spcBef>
+                <a:spcPct val="20000"/>
+              </a:spcBef>
+              <a:spcAft>
+                <a:spcPts val="600"/>
+              </a:spcAft>
+              <a:buClr>
+                <a:schemeClr val="tx1"/>
+              </a:buClr>
+              <a:buSzPct val="100000"/>
+              <a:buFont typeface="Arial"/>
+              <a:buChar char="•"/>
+              <a:defRPr sz="1200" kern="1200" cap="small">
+                <a:gradFill flip="none" rotWithShape="1">
+                  <a:gsLst>
+                    <a:gs pos="0">
+                      <a:schemeClr val="tx1"/>
+                    </a:gs>
+                    <a:gs pos="100000">
+                      <a:schemeClr val="tx1">
+                        <a:lumMod val="75000"/>
+                      </a:schemeClr>
+                    </a:gs>
+                  </a:gsLst>
+                  <a:lin ang="5580000" scaled="0"/>
+                  <a:tileRect/>
+                </a:gradFill>
+                <a:effectLst>
+                  <a:glow rad="38100">
+                    <a:schemeClr val="bg1">
+                      <a:lumMod val="50000"/>
+                      <a:lumOff val="50000"/>
+                      <a:alpha val="20000"/>
+                    </a:schemeClr>
+                  </a:glow>
+                  <a:outerShdw blurRad="44450" dist="12700" dir="13860000" algn="tl" rotWithShape="0">
+                    <a:srgbClr val="000000">
+                      <a:alpha val="20000"/>
+                    </a:srgbClr>
+                  </a:outerShdw>
+                </a:effectLst>
+                <a:latin typeface="+mn-lt"/>
+                <a:ea typeface="+mn-ea"/>
+                <a:cs typeface="+mn-cs"/>
+              </a:defRPr>
+            </a:lvl9pPr>
+          </a:lstStyle>
+          <a:p>
+            <a:r>
+              <a:rPr lang="en-US" dirty="0"/>
+              <a:t>Create an application risk free of vulnerabilities</a:t>
+            </a:r>
+          </a:p>
+          <a:p>
+            <a:r>
+              <a:rPr lang="en-US" dirty="0"/>
+              <a:t>Rapid development of proof of concept</a:t>
+            </a:r>
+          </a:p>
+          <a:p>
+            <a:r>
+              <a:rPr lang="en-US" dirty="0"/>
+              <a:t>Increased awareness of products</a:t>
+            </a:r>
+          </a:p>
+          <a:p>
+            <a:r>
+              <a:rPr lang="en-US" dirty="0"/>
+              <a:t>Deliver a lightweight program</a:t>
+            </a:r>
+          </a:p>
         </p:txBody>
       </p:sp>
     </p:spTree>
@@ -20786,7 +22614,7 @@
     <p:bg>
       <p:bgPr>
         <a:blipFill rotWithShape="1">
-          <a:blip r:embed="rId2">
+          <a:blip r:embed="rId3">
             <a:duotone>
               <a:schemeClr val="bg2">
                 <a:shade val="28000"/>
